--- a/in_class_slides/previous year slides/geog4300_W04-1 Classification and descriptive stats.pptx
+++ b/in_class_slides/previous year slides/geog4300_W04-1 Classification and descriptive stats.pptx
@@ -5,20 +5,21 @@
     <p:sldMasterId id="2147483660" r:id="rId1"/>
   </p:sldMasterIdLst>
   <p:notesMasterIdLst>
-    <p:notesMasterId r:id="rId13"/>
+    <p:notesMasterId r:id="rId14"/>
   </p:notesMasterIdLst>
   <p:sldIdLst>
     <p:sldId id="256" r:id="rId2"/>
     <p:sldId id="257" r:id="rId3"/>
-    <p:sldId id="289" r:id="rId4"/>
-    <p:sldId id="290" r:id="rId5"/>
-    <p:sldId id="285" r:id="rId6"/>
-    <p:sldId id="286" r:id="rId7"/>
-    <p:sldId id="278" r:id="rId8"/>
-    <p:sldId id="279" r:id="rId9"/>
-    <p:sldId id="292" r:id="rId10"/>
-    <p:sldId id="280" r:id="rId11"/>
-    <p:sldId id="291" r:id="rId12"/>
+    <p:sldId id="297" r:id="rId4"/>
+    <p:sldId id="296" r:id="rId5"/>
+    <p:sldId id="289" r:id="rId6"/>
+    <p:sldId id="290" r:id="rId7"/>
+    <p:sldId id="292" r:id="rId8"/>
+    <p:sldId id="286" r:id="rId9"/>
+    <p:sldId id="293" r:id="rId10"/>
+    <p:sldId id="294" r:id="rId11"/>
+    <p:sldId id="295" r:id="rId12"/>
+    <p:sldId id="291" r:id="rId13"/>
   </p:sldIdLst>
   <p:sldSz cx="12192000" cy="6858000"/>
   <p:notesSz cx="6858000" cy="9144000"/>
@@ -207,7 +208,7 @@
           <a:p>
             <a:fld id="{F1C23026-85D4-48E8-9219-18000F688023}" type="datetimeFigureOut">
               <a:rPr lang="en-US" smtClean="0"/>
-              <a:t>9/12/2023</a:t>
+              <a:t>9/5/2024</a:t>
             </a:fld>
             <a:endParaRPr lang="en-US"/>
           </a:p>
@@ -678,931 +679,7 @@
                 <a:cs typeface="Calibri"/>
                 <a:sym typeface="Calibri"/>
               </a:rPr>
-              <a:t>7</a:t>
-            </a:fld>
-            <a:endParaRPr lang="en-US" sz="1200">
-              <a:solidFill>
-                <a:schemeClr val="dk1"/>
-              </a:solidFill>
-              <a:latin typeface="Calibri"/>
-              <a:ea typeface="Calibri"/>
-              <a:cs typeface="Calibri"/>
-              <a:sym typeface="Calibri"/>
-            </a:endParaRPr>
-          </a:p>
-        </p:txBody>
-      </p:sp>
-    </p:spTree>
-    <p:extLst>
-      <p:ext uri="{BB962C8B-B14F-4D97-AF65-F5344CB8AC3E}">
-        <p14:creationId xmlns:p14="http://schemas.microsoft.com/office/powerpoint/2010/main" val="3684996179"/>
-      </p:ext>
-    </p:extLst>
-  </p:cSld>
-  <p:clrMapOvr>
-    <a:masterClrMapping/>
-  </p:clrMapOvr>
-</p:notes>
-</file>
-
-<file path=ppt/notesSlides/notesSlide2.xml><?xml version="1.0" encoding="utf-8"?>
-<p:notes xmlns:a="http://schemas.openxmlformats.org/drawingml/2006/main" xmlns:r="http://schemas.openxmlformats.org/officeDocument/2006/relationships" xmlns:p="http://schemas.openxmlformats.org/presentationml/2006/main" showMasterSp="0" showMasterPhAnim="0">
-  <p:cSld>
-    <p:spTree>
-      <p:nvGrpSpPr>
-        <p:cNvPr id="1" name="Shape 114"/>
-        <p:cNvGrpSpPr/>
-        <p:nvPr/>
-      </p:nvGrpSpPr>
-      <p:grpSpPr>
-        <a:xfrm>
-          <a:off x="0" y="0"/>
-          <a:ext cx="0" cy="0"/>
-          <a:chOff x="0" y="0"/>
-          <a:chExt cx="0" cy="0"/>
-        </a:xfrm>
-      </p:grpSpPr>
-      <p:sp>
-        <p:nvSpPr>
-          <p:cNvPr id="115" name="Shape 115"/>
-          <p:cNvSpPr>
-            <a:spLocks noGrp="1" noRot="1" noChangeAspect="1"/>
-          </p:cNvSpPr>
-          <p:nvPr>
-            <p:ph type="sldImg" idx="2"/>
-          </p:nvPr>
-        </p:nvSpPr>
-        <p:spPr>
-          <a:xfrm>
-            <a:off x="381000" y="685800"/>
-            <a:ext cx="6096000" cy="3429000"/>
-          </a:xfrm>
-          <a:custGeom>
-            <a:avLst/>
-            <a:gdLst/>
-            <a:ahLst/>
-            <a:cxnLst/>
-            <a:rect l="0" t="0" r="0" b="0"/>
-            <a:pathLst>
-              <a:path w="120000" h="120000" extrusionOk="0">
-                <a:moveTo>
-                  <a:pt x="0" y="0"/>
-                </a:moveTo>
-                <a:lnTo>
-                  <a:pt x="120000" y="0"/>
-                </a:lnTo>
-                <a:lnTo>
-                  <a:pt x="120000" y="120000"/>
-                </a:lnTo>
-                <a:lnTo>
-                  <a:pt x="0" y="120000"/>
-                </a:lnTo>
-                <a:close/>
-              </a:path>
-            </a:pathLst>
-          </a:custGeom>
-          <a:noFill/>
-          <a:ln w="12700" cap="flat" cmpd="sng">
-            <a:solidFill>
-              <a:srgbClr val="000000"/>
-            </a:solidFill>
-            <a:prstDash val="solid"/>
-            <a:round/>
-            <a:headEnd type="none" w="med" len="med"/>
-            <a:tailEnd type="none" w="med" len="med"/>
-          </a:ln>
-        </p:spPr>
-      </p:sp>
-      <p:sp>
-        <p:nvSpPr>
-          <p:cNvPr id="116" name="Shape 116"/>
-          <p:cNvSpPr txBox="1">
-            <a:spLocks noGrp="1"/>
-          </p:cNvSpPr>
-          <p:nvPr>
-            <p:ph type="body" idx="1"/>
-          </p:nvPr>
-        </p:nvSpPr>
-        <p:spPr>
-          <a:xfrm>
-            <a:off x="685800" y="4343400"/>
-            <a:ext cx="5486399" cy="4114800"/>
-          </a:xfrm>
-          <a:prstGeom prst="rect">
-            <a:avLst/>
-          </a:prstGeom>
-          <a:noFill/>
-          <a:ln>
-            <a:noFill/>
-          </a:ln>
-        </p:spPr>
-        <p:txBody>
-          <a:bodyPr lIns="91425" tIns="45700" rIns="91425" bIns="45700" anchor="t" anchorCtr="0">
-            <a:noAutofit/>
-          </a:bodyPr>
-          <a:lstStyle/>
-          <a:p>
-            <a:pPr marL="0" marR="0" lvl="0" indent="0" algn="l" rtl="0">
-              <a:spcBef>
-                <a:spcPts val="0"/>
-              </a:spcBef>
-              <a:buSzPct val="25000"/>
-              <a:buNone/>
-            </a:pPr>
-            <a:r>
-              <a:rPr lang="en-US" sz="1200" b="0" i="0" u="none" strike="noStrike" cap="none">
-                <a:solidFill>
-                  <a:schemeClr val="dk1"/>
-                </a:solidFill>
-                <a:latin typeface="Calibri"/>
-                <a:ea typeface="Calibri"/>
-                <a:cs typeface="Calibri"/>
-                <a:sym typeface="Calibri"/>
-              </a:rPr>
-              <a:t>Depending your approach, classification methods can paint very different pictures of the same data points.</a:t>
-            </a:r>
-          </a:p>
-          <a:p>
-            <a:pPr marL="0" marR="0" lvl="0" indent="0" algn="l" rtl="0">
-              <a:spcBef>
-                <a:spcPts val="0"/>
-              </a:spcBef>
-              <a:buSzPct val="25000"/>
-              <a:buNone/>
-            </a:pPr>
-            <a:endParaRPr sz="1200" b="0" i="0" u="none" strike="noStrike" cap="none">
-              <a:solidFill>
-                <a:schemeClr val="dk1"/>
-              </a:solidFill>
-              <a:latin typeface="Calibri"/>
-              <a:ea typeface="Calibri"/>
-              <a:cs typeface="Calibri"/>
-              <a:sym typeface="Calibri"/>
-            </a:endParaRPr>
-          </a:p>
-          <a:p>
-            <a:pPr marL="0" marR="0" lvl="0" indent="0" algn="l" rtl="0">
-              <a:spcBef>
-                <a:spcPts val="0"/>
-              </a:spcBef>
-              <a:buSzPct val="25000"/>
-              <a:buNone/>
-            </a:pPr>
-            <a:r>
-              <a:rPr lang="en-US" sz="1200" b="0" i="0" u="none" strike="noStrike" cap="none">
-                <a:solidFill>
-                  <a:schemeClr val="dk1"/>
-                </a:solidFill>
-                <a:latin typeface="Calibri"/>
-                <a:ea typeface="Calibri"/>
-                <a:cs typeface="Calibri"/>
-                <a:sym typeface="Calibri"/>
-              </a:rPr>
-              <a:t>How might we interpret the natural breaks map differently from the quantiles map here?</a:t>
-            </a:r>
-          </a:p>
-        </p:txBody>
-      </p:sp>
-      <p:sp>
-        <p:nvSpPr>
-          <p:cNvPr id="117" name="Shape 117"/>
-          <p:cNvSpPr txBox="1">
-            <a:spLocks noGrp="1"/>
-          </p:cNvSpPr>
-          <p:nvPr>
-            <p:ph type="sldNum" idx="12"/>
-          </p:nvPr>
-        </p:nvSpPr>
-        <p:spPr>
-          <a:xfrm>
-            <a:off x="3884612" y="8685213"/>
-            <a:ext cx="2971799" cy="457200"/>
-          </a:xfrm>
-          <a:prstGeom prst="rect">
-            <a:avLst/>
-          </a:prstGeom>
-          <a:noFill/>
-          <a:ln>
-            <a:noFill/>
-          </a:ln>
-        </p:spPr>
-        <p:txBody>
-          <a:bodyPr lIns="91425" tIns="45700" rIns="91425" bIns="45700" anchor="b" anchorCtr="0">
-            <a:noAutofit/>
-          </a:bodyPr>
-          <a:lstStyle/>
-          <a:p>
-            <a:pPr marL="0" marR="0" lvl="0" indent="0" algn="r" rtl="0">
-              <a:spcBef>
-                <a:spcPts val="0"/>
-              </a:spcBef>
-              <a:buSzPct val="25000"/>
-              <a:buNone/>
-            </a:pPr>
-            <a:fld id="{00000000-1234-1234-1234-123412341234}" type="slidenum">
-              <a:rPr lang="en-US" sz="1200">
-                <a:solidFill>
-                  <a:schemeClr val="dk1"/>
-                </a:solidFill>
-                <a:latin typeface="Calibri"/>
-                <a:ea typeface="Calibri"/>
-                <a:cs typeface="Calibri"/>
-                <a:sym typeface="Calibri"/>
-              </a:rPr>
-              <a:t>8</a:t>
-            </a:fld>
-            <a:endParaRPr lang="en-US" sz="1200">
-              <a:solidFill>
-                <a:schemeClr val="dk1"/>
-              </a:solidFill>
-              <a:latin typeface="Calibri"/>
-              <a:ea typeface="Calibri"/>
-              <a:cs typeface="Calibri"/>
-              <a:sym typeface="Calibri"/>
-            </a:endParaRPr>
-          </a:p>
-        </p:txBody>
-      </p:sp>
-    </p:spTree>
-    <p:extLst>
-      <p:ext uri="{BB962C8B-B14F-4D97-AF65-F5344CB8AC3E}">
-        <p14:creationId xmlns:p14="http://schemas.microsoft.com/office/powerpoint/2010/main" val="3672709778"/>
-      </p:ext>
-    </p:extLst>
-  </p:cSld>
-  <p:clrMapOvr>
-    <a:masterClrMapping/>
-  </p:clrMapOvr>
-</p:notes>
-</file>
-
-<file path=ppt/notesSlides/notesSlide3.xml><?xml version="1.0" encoding="utf-8"?>
-<p:notes xmlns:a="http://schemas.openxmlformats.org/drawingml/2006/main" xmlns:r="http://schemas.openxmlformats.org/officeDocument/2006/relationships" xmlns:p="http://schemas.openxmlformats.org/presentationml/2006/main" showMasterSp="0" showMasterPhAnim="0">
-  <p:cSld>
-    <p:spTree>
-      <p:nvGrpSpPr>
-        <p:cNvPr id="1" name="Shape 114"/>
-        <p:cNvGrpSpPr/>
-        <p:nvPr/>
-      </p:nvGrpSpPr>
-      <p:grpSpPr>
-        <a:xfrm>
-          <a:off x="0" y="0"/>
-          <a:ext cx="0" cy="0"/>
-          <a:chOff x="0" y="0"/>
-          <a:chExt cx="0" cy="0"/>
-        </a:xfrm>
-      </p:grpSpPr>
-      <p:sp>
-        <p:nvSpPr>
-          <p:cNvPr id="115" name="Shape 115"/>
-          <p:cNvSpPr>
-            <a:spLocks noGrp="1" noRot="1" noChangeAspect="1"/>
-          </p:cNvSpPr>
-          <p:nvPr>
-            <p:ph type="sldImg" idx="2"/>
-          </p:nvPr>
-        </p:nvSpPr>
-        <p:spPr>
-          <a:xfrm>
-            <a:off x="381000" y="685800"/>
-            <a:ext cx="6096000" cy="3429000"/>
-          </a:xfrm>
-          <a:custGeom>
-            <a:avLst/>
-            <a:gdLst/>
-            <a:ahLst/>
-            <a:cxnLst/>
-            <a:rect l="0" t="0" r="0" b="0"/>
-            <a:pathLst>
-              <a:path w="120000" h="120000" extrusionOk="0">
-                <a:moveTo>
-                  <a:pt x="0" y="0"/>
-                </a:moveTo>
-                <a:lnTo>
-                  <a:pt x="120000" y="0"/>
-                </a:lnTo>
-                <a:lnTo>
-                  <a:pt x="120000" y="120000"/>
-                </a:lnTo>
-                <a:lnTo>
-                  <a:pt x="0" y="120000"/>
-                </a:lnTo>
-                <a:close/>
-              </a:path>
-            </a:pathLst>
-          </a:custGeom>
-          <a:noFill/>
-          <a:ln w="12700" cap="flat" cmpd="sng">
-            <a:solidFill>
-              <a:srgbClr val="000000"/>
-            </a:solidFill>
-            <a:prstDash val="solid"/>
-            <a:round/>
-            <a:headEnd type="none" w="med" len="med"/>
-            <a:tailEnd type="none" w="med" len="med"/>
-          </a:ln>
-        </p:spPr>
-      </p:sp>
-      <p:sp>
-        <p:nvSpPr>
-          <p:cNvPr id="116" name="Shape 116"/>
-          <p:cNvSpPr txBox="1">
-            <a:spLocks noGrp="1"/>
-          </p:cNvSpPr>
-          <p:nvPr>
-            <p:ph type="body" idx="1"/>
-          </p:nvPr>
-        </p:nvSpPr>
-        <p:spPr>
-          <a:xfrm>
-            <a:off x="685800" y="4343400"/>
-            <a:ext cx="5486399" cy="4114800"/>
-          </a:xfrm>
-          <a:prstGeom prst="rect">
-            <a:avLst/>
-          </a:prstGeom>
-          <a:noFill/>
-          <a:ln>
-            <a:noFill/>
-          </a:ln>
-        </p:spPr>
-        <p:txBody>
-          <a:bodyPr lIns="91425" tIns="45700" rIns="91425" bIns="45700" anchor="t" anchorCtr="0">
-            <a:noAutofit/>
-          </a:bodyPr>
-          <a:lstStyle/>
-          <a:p>
-            <a:pPr marL="0" marR="0" lvl="0" indent="0" algn="l" rtl="0">
-              <a:spcBef>
-                <a:spcPts val="0"/>
-              </a:spcBef>
-              <a:buSzPct val="25000"/>
-              <a:buNone/>
-            </a:pPr>
-            <a:r>
-              <a:rPr lang="en-US" sz="1200" b="0" i="0" u="none" strike="noStrike" cap="none">
-                <a:solidFill>
-                  <a:schemeClr val="dk1"/>
-                </a:solidFill>
-                <a:latin typeface="Calibri"/>
-                <a:ea typeface="Calibri"/>
-                <a:cs typeface="Calibri"/>
-                <a:sym typeface="Calibri"/>
-              </a:rPr>
-              <a:t>Depending your approach, classification methods can paint very different pictures of the same data points.</a:t>
-            </a:r>
-          </a:p>
-          <a:p>
-            <a:pPr marL="0" marR="0" lvl="0" indent="0" algn="l" rtl="0">
-              <a:spcBef>
-                <a:spcPts val="0"/>
-              </a:spcBef>
-              <a:buSzPct val="25000"/>
-              <a:buNone/>
-            </a:pPr>
-            <a:endParaRPr sz="1200" b="0" i="0" u="none" strike="noStrike" cap="none">
-              <a:solidFill>
-                <a:schemeClr val="dk1"/>
-              </a:solidFill>
-              <a:latin typeface="Calibri"/>
-              <a:ea typeface="Calibri"/>
-              <a:cs typeface="Calibri"/>
-              <a:sym typeface="Calibri"/>
-            </a:endParaRPr>
-          </a:p>
-          <a:p>
-            <a:pPr marL="0" marR="0" lvl="0" indent="0" algn="l" rtl="0">
-              <a:spcBef>
-                <a:spcPts val="0"/>
-              </a:spcBef>
-              <a:buSzPct val="25000"/>
-              <a:buNone/>
-            </a:pPr>
-            <a:r>
-              <a:rPr lang="en-US" sz="1200" b="0" i="0" u="none" strike="noStrike" cap="none">
-                <a:solidFill>
-                  <a:schemeClr val="dk1"/>
-                </a:solidFill>
-                <a:latin typeface="Calibri"/>
-                <a:ea typeface="Calibri"/>
-                <a:cs typeface="Calibri"/>
-                <a:sym typeface="Calibri"/>
-              </a:rPr>
-              <a:t>How might we interpret the natural breaks map differently from the quantiles map here?</a:t>
-            </a:r>
-          </a:p>
-        </p:txBody>
-      </p:sp>
-      <p:sp>
-        <p:nvSpPr>
-          <p:cNvPr id="117" name="Shape 117"/>
-          <p:cNvSpPr txBox="1">
-            <a:spLocks noGrp="1"/>
-          </p:cNvSpPr>
-          <p:nvPr>
-            <p:ph type="sldNum" idx="12"/>
-          </p:nvPr>
-        </p:nvSpPr>
-        <p:spPr>
-          <a:xfrm>
-            <a:off x="3884612" y="8685213"/>
-            <a:ext cx="2971799" cy="457200"/>
-          </a:xfrm>
-          <a:prstGeom prst="rect">
-            <a:avLst/>
-          </a:prstGeom>
-          <a:noFill/>
-          <a:ln>
-            <a:noFill/>
-          </a:ln>
-        </p:spPr>
-        <p:txBody>
-          <a:bodyPr lIns="91425" tIns="45700" rIns="91425" bIns="45700" anchor="b" anchorCtr="0">
-            <a:noAutofit/>
-          </a:bodyPr>
-          <a:lstStyle/>
-          <a:p>
-            <a:pPr marL="0" marR="0" lvl="0" indent="0" algn="r" rtl="0">
-              <a:spcBef>
-                <a:spcPts val="0"/>
-              </a:spcBef>
-              <a:buSzPct val="25000"/>
-              <a:buNone/>
-            </a:pPr>
-            <a:fld id="{00000000-1234-1234-1234-123412341234}" type="slidenum">
-              <a:rPr lang="en-US" sz="1200">
-                <a:solidFill>
-                  <a:schemeClr val="dk1"/>
-                </a:solidFill>
-                <a:latin typeface="Calibri"/>
-                <a:ea typeface="Calibri"/>
-                <a:cs typeface="Calibri"/>
-                <a:sym typeface="Calibri"/>
-              </a:rPr>
-              <a:t>9</a:t>
-            </a:fld>
-            <a:endParaRPr lang="en-US" sz="1200">
-              <a:solidFill>
-                <a:schemeClr val="dk1"/>
-              </a:solidFill>
-              <a:latin typeface="Calibri"/>
-              <a:ea typeface="Calibri"/>
-              <a:cs typeface="Calibri"/>
-              <a:sym typeface="Calibri"/>
-            </a:endParaRPr>
-          </a:p>
-        </p:txBody>
-      </p:sp>
-    </p:spTree>
-    <p:extLst>
-      <p:ext uri="{BB962C8B-B14F-4D97-AF65-F5344CB8AC3E}">
-        <p14:creationId xmlns:p14="http://schemas.microsoft.com/office/powerpoint/2010/main" val="456445929"/>
-      </p:ext>
-    </p:extLst>
-  </p:cSld>
-  <p:clrMapOvr>
-    <a:masterClrMapping/>
-  </p:clrMapOvr>
-</p:notes>
-</file>
-
-<file path=ppt/notesSlides/notesSlide4.xml><?xml version="1.0" encoding="utf-8"?>
-<p:notes xmlns:a="http://schemas.openxmlformats.org/drawingml/2006/main" xmlns:r="http://schemas.openxmlformats.org/officeDocument/2006/relationships" xmlns:p="http://schemas.openxmlformats.org/presentationml/2006/main" showMasterSp="0" showMasterPhAnim="0">
-  <p:cSld>
-    <p:spTree>
-      <p:nvGrpSpPr>
-        <p:cNvPr id="1" name="Shape 114"/>
-        <p:cNvGrpSpPr/>
-        <p:nvPr/>
-      </p:nvGrpSpPr>
-      <p:grpSpPr>
-        <a:xfrm>
-          <a:off x="0" y="0"/>
-          <a:ext cx="0" cy="0"/>
-          <a:chOff x="0" y="0"/>
-          <a:chExt cx="0" cy="0"/>
-        </a:xfrm>
-      </p:grpSpPr>
-      <p:sp>
-        <p:nvSpPr>
-          <p:cNvPr id="115" name="Shape 115"/>
-          <p:cNvSpPr>
-            <a:spLocks noGrp="1" noRot="1" noChangeAspect="1"/>
-          </p:cNvSpPr>
-          <p:nvPr>
-            <p:ph type="sldImg" idx="2"/>
-          </p:nvPr>
-        </p:nvSpPr>
-        <p:spPr>
-          <a:xfrm>
-            <a:off x="381000" y="685800"/>
-            <a:ext cx="6096000" cy="3429000"/>
-          </a:xfrm>
-          <a:custGeom>
-            <a:avLst/>
-            <a:gdLst/>
-            <a:ahLst/>
-            <a:cxnLst/>
-            <a:rect l="0" t="0" r="0" b="0"/>
-            <a:pathLst>
-              <a:path w="120000" h="120000" extrusionOk="0">
-                <a:moveTo>
-                  <a:pt x="0" y="0"/>
-                </a:moveTo>
-                <a:lnTo>
-                  <a:pt x="120000" y="0"/>
-                </a:lnTo>
-                <a:lnTo>
-                  <a:pt x="120000" y="120000"/>
-                </a:lnTo>
-                <a:lnTo>
-                  <a:pt x="0" y="120000"/>
-                </a:lnTo>
-                <a:close/>
-              </a:path>
-            </a:pathLst>
-          </a:custGeom>
-          <a:noFill/>
-          <a:ln w="12700" cap="flat" cmpd="sng">
-            <a:solidFill>
-              <a:srgbClr val="000000"/>
-            </a:solidFill>
-            <a:prstDash val="solid"/>
-            <a:round/>
-            <a:headEnd type="none" w="med" len="med"/>
-            <a:tailEnd type="none" w="med" len="med"/>
-          </a:ln>
-        </p:spPr>
-      </p:sp>
-      <p:sp>
-        <p:nvSpPr>
-          <p:cNvPr id="116" name="Shape 116"/>
-          <p:cNvSpPr txBox="1">
-            <a:spLocks noGrp="1"/>
-          </p:cNvSpPr>
-          <p:nvPr>
-            <p:ph type="body" idx="1"/>
-          </p:nvPr>
-        </p:nvSpPr>
-        <p:spPr>
-          <a:xfrm>
-            <a:off x="685800" y="4343400"/>
-            <a:ext cx="5486399" cy="4114800"/>
-          </a:xfrm>
-          <a:prstGeom prst="rect">
-            <a:avLst/>
-          </a:prstGeom>
-          <a:noFill/>
-          <a:ln>
-            <a:noFill/>
-          </a:ln>
-        </p:spPr>
-        <p:txBody>
-          <a:bodyPr lIns="91425" tIns="45700" rIns="91425" bIns="45700" anchor="t" anchorCtr="0">
-            <a:noAutofit/>
-          </a:bodyPr>
-          <a:lstStyle/>
-          <a:p>
-            <a:pPr marL="0" marR="0" lvl="0" indent="0" algn="l" rtl="0">
-              <a:spcBef>
-                <a:spcPts val="0"/>
-              </a:spcBef>
-              <a:buSzPct val="25000"/>
-              <a:buNone/>
-            </a:pPr>
-            <a:r>
-              <a:rPr lang="en-US" sz="1200" b="0" i="0" u="none" strike="noStrike" cap="none">
-                <a:solidFill>
-                  <a:schemeClr val="dk1"/>
-                </a:solidFill>
-                <a:latin typeface="Calibri"/>
-                <a:ea typeface="Calibri"/>
-                <a:cs typeface="Calibri"/>
-                <a:sym typeface="Calibri"/>
-              </a:rPr>
-              <a:t>Depending your approach, classification methods can paint very different pictures of the same data points.</a:t>
-            </a:r>
-          </a:p>
-          <a:p>
-            <a:pPr marL="0" marR="0" lvl="0" indent="0" algn="l" rtl="0">
-              <a:spcBef>
-                <a:spcPts val="0"/>
-              </a:spcBef>
-              <a:buSzPct val="25000"/>
-              <a:buNone/>
-            </a:pPr>
-            <a:endParaRPr sz="1200" b="0" i="0" u="none" strike="noStrike" cap="none">
-              <a:solidFill>
-                <a:schemeClr val="dk1"/>
-              </a:solidFill>
-              <a:latin typeface="Calibri"/>
-              <a:ea typeface="Calibri"/>
-              <a:cs typeface="Calibri"/>
-              <a:sym typeface="Calibri"/>
-            </a:endParaRPr>
-          </a:p>
-          <a:p>
-            <a:pPr marL="0" marR="0" lvl="0" indent="0" algn="l" rtl="0">
-              <a:spcBef>
-                <a:spcPts val="0"/>
-              </a:spcBef>
-              <a:buSzPct val="25000"/>
-              <a:buNone/>
-            </a:pPr>
-            <a:r>
-              <a:rPr lang="en-US" sz="1200" b="0" i="0" u="none" strike="noStrike" cap="none">
-                <a:solidFill>
-                  <a:schemeClr val="dk1"/>
-                </a:solidFill>
-                <a:latin typeface="Calibri"/>
-                <a:ea typeface="Calibri"/>
-                <a:cs typeface="Calibri"/>
-                <a:sym typeface="Calibri"/>
-              </a:rPr>
-              <a:t>How might we interpret the natural breaks map differently from the quantiles map here?</a:t>
-            </a:r>
-          </a:p>
-        </p:txBody>
-      </p:sp>
-      <p:sp>
-        <p:nvSpPr>
-          <p:cNvPr id="117" name="Shape 117"/>
-          <p:cNvSpPr txBox="1">
-            <a:spLocks noGrp="1"/>
-          </p:cNvSpPr>
-          <p:nvPr>
-            <p:ph type="sldNum" idx="12"/>
-          </p:nvPr>
-        </p:nvSpPr>
-        <p:spPr>
-          <a:xfrm>
-            <a:off x="3884612" y="8685213"/>
-            <a:ext cx="2971799" cy="457200"/>
-          </a:xfrm>
-          <a:prstGeom prst="rect">
-            <a:avLst/>
-          </a:prstGeom>
-          <a:noFill/>
-          <a:ln>
-            <a:noFill/>
-          </a:ln>
-        </p:spPr>
-        <p:txBody>
-          <a:bodyPr lIns="91425" tIns="45700" rIns="91425" bIns="45700" anchor="b" anchorCtr="0">
-            <a:noAutofit/>
-          </a:bodyPr>
-          <a:lstStyle/>
-          <a:p>
-            <a:pPr marL="0" marR="0" lvl="0" indent="0" algn="r" rtl="0">
-              <a:spcBef>
-                <a:spcPts val="0"/>
-              </a:spcBef>
-              <a:buSzPct val="25000"/>
-              <a:buNone/>
-            </a:pPr>
-            <a:fld id="{00000000-1234-1234-1234-123412341234}" type="slidenum">
-              <a:rPr lang="en-US" sz="1200">
-                <a:solidFill>
-                  <a:schemeClr val="dk1"/>
-                </a:solidFill>
-                <a:latin typeface="Calibri"/>
-                <a:ea typeface="Calibri"/>
-                <a:cs typeface="Calibri"/>
-                <a:sym typeface="Calibri"/>
-              </a:rPr>
-              <a:t>10</a:t>
-            </a:fld>
-            <a:endParaRPr lang="en-US" sz="1200">
-              <a:solidFill>
-                <a:schemeClr val="dk1"/>
-              </a:solidFill>
-              <a:latin typeface="Calibri"/>
-              <a:ea typeface="Calibri"/>
-              <a:cs typeface="Calibri"/>
-              <a:sym typeface="Calibri"/>
-            </a:endParaRPr>
-          </a:p>
-        </p:txBody>
-      </p:sp>
-    </p:spTree>
-    <p:extLst>
-      <p:ext uri="{BB962C8B-B14F-4D97-AF65-F5344CB8AC3E}">
-        <p14:creationId xmlns:p14="http://schemas.microsoft.com/office/powerpoint/2010/main" val="4132010899"/>
-      </p:ext>
-    </p:extLst>
-  </p:cSld>
-  <p:clrMapOvr>
-    <a:masterClrMapping/>
-  </p:clrMapOvr>
-</p:notes>
-</file>
-
-<file path=ppt/notesSlides/notesSlide5.xml><?xml version="1.0" encoding="utf-8"?>
-<p:notes xmlns:a="http://schemas.openxmlformats.org/drawingml/2006/main" xmlns:r="http://schemas.openxmlformats.org/officeDocument/2006/relationships" xmlns:p="http://schemas.openxmlformats.org/presentationml/2006/main" showMasterSp="0" showMasterPhAnim="0">
-  <p:cSld>
-    <p:spTree>
-      <p:nvGrpSpPr>
-        <p:cNvPr id="1" name="Shape 114"/>
-        <p:cNvGrpSpPr/>
-        <p:nvPr/>
-      </p:nvGrpSpPr>
-      <p:grpSpPr>
-        <a:xfrm>
-          <a:off x="0" y="0"/>
-          <a:ext cx="0" cy="0"/>
-          <a:chOff x="0" y="0"/>
-          <a:chExt cx="0" cy="0"/>
-        </a:xfrm>
-      </p:grpSpPr>
-      <p:sp>
-        <p:nvSpPr>
-          <p:cNvPr id="115" name="Shape 115"/>
-          <p:cNvSpPr>
-            <a:spLocks noGrp="1" noRot="1" noChangeAspect="1"/>
-          </p:cNvSpPr>
-          <p:nvPr>
-            <p:ph type="sldImg" idx="2"/>
-          </p:nvPr>
-        </p:nvSpPr>
-        <p:spPr>
-          <a:xfrm>
-            <a:off x="381000" y="685800"/>
-            <a:ext cx="6096000" cy="3429000"/>
-          </a:xfrm>
-          <a:custGeom>
-            <a:avLst/>
-            <a:gdLst/>
-            <a:ahLst/>
-            <a:cxnLst/>
-            <a:rect l="0" t="0" r="0" b="0"/>
-            <a:pathLst>
-              <a:path w="120000" h="120000" extrusionOk="0">
-                <a:moveTo>
-                  <a:pt x="0" y="0"/>
-                </a:moveTo>
-                <a:lnTo>
-                  <a:pt x="120000" y="0"/>
-                </a:lnTo>
-                <a:lnTo>
-                  <a:pt x="120000" y="120000"/>
-                </a:lnTo>
-                <a:lnTo>
-                  <a:pt x="0" y="120000"/>
-                </a:lnTo>
-                <a:close/>
-              </a:path>
-            </a:pathLst>
-          </a:custGeom>
-          <a:noFill/>
-          <a:ln w="12700" cap="flat" cmpd="sng">
-            <a:solidFill>
-              <a:srgbClr val="000000"/>
-            </a:solidFill>
-            <a:prstDash val="solid"/>
-            <a:round/>
-            <a:headEnd type="none" w="med" len="med"/>
-            <a:tailEnd type="none" w="med" len="med"/>
-          </a:ln>
-        </p:spPr>
-      </p:sp>
-      <p:sp>
-        <p:nvSpPr>
-          <p:cNvPr id="116" name="Shape 116"/>
-          <p:cNvSpPr txBox="1">
-            <a:spLocks noGrp="1"/>
-          </p:cNvSpPr>
-          <p:nvPr>
-            <p:ph type="body" idx="1"/>
-          </p:nvPr>
-        </p:nvSpPr>
-        <p:spPr>
-          <a:xfrm>
-            <a:off x="685800" y="4343400"/>
-            <a:ext cx="5486399" cy="4114800"/>
-          </a:xfrm>
-          <a:prstGeom prst="rect">
-            <a:avLst/>
-          </a:prstGeom>
-          <a:noFill/>
-          <a:ln>
-            <a:noFill/>
-          </a:ln>
-        </p:spPr>
-        <p:txBody>
-          <a:bodyPr lIns="91425" tIns="45700" rIns="91425" bIns="45700" anchor="t" anchorCtr="0">
-            <a:noAutofit/>
-          </a:bodyPr>
-          <a:lstStyle/>
-          <a:p>
-            <a:pPr marL="0" marR="0" lvl="0" indent="0" algn="l" rtl="0">
-              <a:spcBef>
-                <a:spcPts val="0"/>
-              </a:spcBef>
-              <a:buSzPct val="25000"/>
-              <a:buNone/>
-            </a:pPr>
-            <a:r>
-              <a:rPr lang="en-US" sz="1200" b="0" i="0" u="none" strike="noStrike" cap="none">
-                <a:solidFill>
-                  <a:schemeClr val="dk1"/>
-                </a:solidFill>
-                <a:latin typeface="Calibri"/>
-                <a:ea typeface="Calibri"/>
-                <a:cs typeface="Calibri"/>
-                <a:sym typeface="Calibri"/>
-              </a:rPr>
-              <a:t>Depending your approach, classification methods can paint very different pictures of the same data points.</a:t>
-            </a:r>
-          </a:p>
-          <a:p>
-            <a:pPr marL="0" marR="0" lvl="0" indent="0" algn="l" rtl="0">
-              <a:spcBef>
-                <a:spcPts val="0"/>
-              </a:spcBef>
-              <a:buSzPct val="25000"/>
-              <a:buNone/>
-            </a:pPr>
-            <a:endParaRPr sz="1200" b="0" i="0" u="none" strike="noStrike" cap="none">
-              <a:solidFill>
-                <a:schemeClr val="dk1"/>
-              </a:solidFill>
-              <a:latin typeface="Calibri"/>
-              <a:ea typeface="Calibri"/>
-              <a:cs typeface="Calibri"/>
-              <a:sym typeface="Calibri"/>
-            </a:endParaRPr>
-          </a:p>
-          <a:p>
-            <a:pPr marL="0" marR="0" lvl="0" indent="0" algn="l" rtl="0">
-              <a:spcBef>
-                <a:spcPts val="0"/>
-              </a:spcBef>
-              <a:buSzPct val="25000"/>
-              <a:buNone/>
-            </a:pPr>
-            <a:r>
-              <a:rPr lang="en-US" sz="1200" b="0" i="0" u="none" strike="noStrike" cap="none">
-                <a:solidFill>
-                  <a:schemeClr val="dk1"/>
-                </a:solidFill>
-                <a:latin typeface="Calibri"/>
-                <a:ea typeface="Calibri"/>
-                <a:cs typeface="Calibri"/>
-                <a:sym typeface="Calibri"/>
-              </a:rPr>
-              <a:t>How might we interpret the natural breaks map differently from the quantiles map here?</a:t>
-            </a:r>
-          </a:p>
-        </p:txBody>
-      </p:sp>
-      <p:sp>
-        <p:nvSpPr>
-          <p:cNvPr id="117" name="Shape 117"/>
-          <p:cNvSpPr txBox="1">
-            <a:spLocks noGrp="1"/>
-          </p:cNvSpPr>
-          <p:nvPr>
-            <p:ph type="sldNum" idx="12"/>
-          </p:nvPr>
-        </p:nvSpPr>
-        <p:spPr>
-          <a:xfrm>
-            <a:off x="3884612" y="8685213"/>
-            <a:ext cx="2971799" cy="457200"/>
-          </a:xfrm>
-          <a:prstGeom prst="rect">
-            <a:avLst/>
-          </a:prstGeom>
-          <a:noFill/>
-          <a:ln>
-            <a:noFill/>
-          </a:ln>
-        </p:spPr>
-        <p:txBody>
-          <a:bodyPr lIns="91425" tIns="45700" rIns="91425" bIns="45700" anchor="b" anchorCtr="0">
-            <a:noAutofit/>
-          </a:bodyPr>
-          <a:lstStyle/>
-          <a:p>
-            <a:pPr marL="0" marR="0" lvl="0" indent="0" algn="r" rtl="0">
-              <a:spcBef>
-                <a:spcPts val="0"/>
-              </a:spcBef>
-              <a:buSzPct val="25000"/>
-              <a:buNone/>
-            </a:pPr>
-            <a:fld id="{00000000-1234-1234-1234-123412341234}" type="slidenum">
-              <a:rPr lang="en-US" sz="1200">
-                <a:solidFill>
-                  <a:schemeClr val="dk1"/>
-                </a:solidFill>
-                <a:latin typeface="Calibri"/>
-                <a:ea typeface="Calibri"/>
-                <a:cs typeface="Calibri"/>
-                <a:sym typeface="Calibri"/>
-              </a:rPr>
-              <a:t>11</a:t>
+              <a:t>12</a:t>
             </a:fld>
             <a:endParaRPr lang="en-US" sz="1200">
               <a:solidFill>
@@ -1814,7 +891,7 @@
           <a:p>
             <a:fld id="{93C8B963-0F36-48FC-991E-AA63861DA924}" type="datetimeFigureOut">
               <a:rPr lang="en-US" smtClean="0"/>
-              <a:t>9/12/2023</a:t>
+              <a:t>9/5/2024</a:t>
             </a:fld>
             <a:endParaRPr lang="en-US"/>
           </a:p>
@@ -2112,7 +1189,7 @@
           <a:p>
             <a:fld id="{93C8B963-0F36-48FC-991E-AA63861DA924}" type="datetimeFigureOut">
               <a:rPr lang="en-US" smtClean="0"/>
-              <a:t>9/12/2023</a:t>
+              <a:t>9/5/2024</a:t>
             </a:fld>
             <a:endParaRPr lang="en-US"/>
           </a:p>
@@ -2304,7 +1381,7 @@
           <a:p>
             <a:fld id="{93C8B963-0F36-48FC-991E-AA63861DA924}" type="datetimeFigureOut">
               <a:rPr lang="en-US" smtClean="0"/>
-              <a:t>9/12/2023</a:t>
+              <a:t>9/5/2024</a:t>
             </a:fld>
             <a:endParaRPr lang="en-US"/>
           </a:p>
@@ -2565,7 +1642,7 @@
           <a:p>
             <a:fld id="{93C8B963-0F36-48FC-991E-AA63861DA924}" type="datetimeFigureOut">
               <a:rPr lang="en-US" smtClean="0"/>
-              <a:t>9/12/2023</a:t>
+              <a:t>9/5/2024</a:t>
             </a:fld>
             <a:endParaRPr lang="en-US"/>
           </a:p>
@@ -2989,7 +2066,7 @@
           <a:p>
             <a:fld id="{93C8B963-0F36-48FC-991E-AA63861DA924}" type="datetimeFigureOut">
               <a:rPr lang="en-US" smtClean="0"/>
-              <a:t>9/12/2023</a:t>
+              <a:t>9/5/2024</a:t>
             </a:fld>
             <a:endParaRPr lang="en-US"/>
           </a:p>
@@ -3526,7 +2603,7 @@
           <a:p>
             <a:fld id="{93C8B963-0F36-48FC-991E-AA63861DA924}" type="datetimeFigureOut">
               <a:rPr lang="en-US" smtClean="0"/>
-              <a:t>9/12/2023</a:t>
+              <a:t>9/5/2024</a:t>
             </a:fld>
             <a:endParaRPr lang="en-US"/>
           </a:p>
@@ -4390,7 +3467,7 @@
           <a:p>
             <a:fld id="{93C8B963-0F36-48FC-991E-AA63861DA924}" type="datetimeFigureOut">
               <a:rPr lang="en-US" smtClean="0"/>
-              <a:t>9/12/2023</a:t>
+              <a:t>9/5/2024</a:t>
             </a:fld>
             <a:endParaRPr lang="en-US"/>
           </a:p>
@@ -4560,7 +3637,7 @@
           <a:p>
             <a:fld id="{93C8B963-0F36-48FC-991E-AA63861DA924}" type="datetimeFigureOut">
               <a:rPr lang="en-US" smtClean="0"/>
-              <a:t>9/12/2023</a:t>
+              <a:t>9/5/2024</a:t>
             </a:fld>
             <a:endParaRPr lang="en-US"/>
           </a:p>
@@ -4744,7 +3821,7 @@
           <a:p>
             <a:fld id="{93C8B963-0F36-48FC-991E-AA63861DA924}" type="datetimeFigureOut">
               <a:rPr lang="en-US" smtClean="0"/>
-              <a:t>9/12/2023</a:t>
+              <a:t>9/5/2024</a:t>
             </a:fld>
             <a:endParaRPr lang="en-US"/>
           </a:p>
@@ -4914,7 +3991,7 @@
           <a:p>
             <a:fld id="{93C8B963-0F36-48FC-991E-AA63861DA924}" type="datetimeFigureOut">
               <a:rPr lang="en-US" smtClean="0"/>
-              <a:t>9/12/2023</a:t>
+              <a:t>9/5/2024</a:t>
             </a:fld>
             <a:endParaRPr lang="en-US"/>
           </a:p>
@@ -5158,7 +4235,7 @@
           <a:p>
             <a:fld id="{93C8B963-0F36-48FC-991E-AA63861DA924}" type="datetimeFigureOut">
               <a:rPr lang="en-US" smtClean="0"/>
-              <a:t>9/12/2023</a:t>
+              <a:t>9/5/2024</a:t>
             </a:fld>
             <a:endParaRPr lang="en-US"/>
           </a:p>
@@ -5394,7 +4471,7 @@
           <a:p>
             <a:fld id="{93C8B963-0F36-48FC-991E-AA63861DA924}" type="datetimeFigureOut">
               <a:rPr lang="en-US" smtClean="0"/>
-              <a:t>9/12/2023</a:t>
+              <a:t>9/5/2024</a:t>
             </a:fld>
             <a:endParaRPr lang="en-US"/>
           </a:p>
@@ -5860,7 +4937,7 @@
           <a:p>
             <a:fld id="{93C8B963-0F36-48FC-991E-AA63861DA924}" type="datetimeFigureOut">
               <a:rPr lang="en-US" smtClean="0"/>
-              <a:t>9/12/2023</a:t>
+              <a:t>9/5/2024</a:t>
             </a:fld>
             <a:endParaRPr lang="en-US"/>
           </a:p>
@@ -5978,7 +5055,7 @@
           <a:p>
             <a:fld id="{93C8B963-0F36-48FC-991E-AA63861DA924}" type="datetimeFigureOut">
               <a:rPr lang="en-US" smtClean="0"/>
-              <a:t>9/12/2023</a:t>
+              <a:t>9/5/2024</a:t>
             </a:fld>
             <a:endParaRPr lang="en-US"/>
           </a:p>
@@ -6073,7 +5150,7 @@
           <a:p>
             <a:fld id="{93C8B963-0F36-48FC-991E-AA63861DA924}" type="datetimeFigureOut">
               <a:rPr lang="en-US" smtClean="0"/>
-              <a:t>9/12/2023</a:t>
+              <a:t>9/5/2024</a:t>
             </a:fld>
             <a:endParaRPr lang="en-US"/>
           </a:p>
@@ -6328,7 +5405,7 @@
           <a:p>
             <a:fld id="{93C8B963-0F36-48FC-991E-AA63861DA924}" type="datetimeFigureOut">
               <a:rPr lang="en-US" smtClean="0"/>
-              <a:t>9/12/2023</a:t>
+              <a:t>9/5/2024</a:t>
             </a:fld>
             <a:endParaRPr lang="en-US"/>
           </a:p>
@@ -6628,7 +5705,7 @@
           <a:p>
             <a:fld id="{93C8B963-0F36-48FC-991E-AA63861DA924}" type="datetimeFigureOut">
               <a:rPr lang="en-US" smtClean="0"/>
-              <a:t>9/12/2023</a:t>
+              <a:t>9/5/2024</a:t>
             </a:fld>
             <a:endParaRPr lang="en-US"/>
           </a:p>
@@ -6862,7 +5939,7 @@
           <a:p>
             <a:fld id="{93C8B963-0F36-48FC-991E-AA63861DA924}" type="datetimeFigureOut">
               <a:rPr lang="en-US" smtClean="0"/>
-              <a:t>9/12/2023</a:t>
+              <a:t>9/5/2024</a:t>
             </a:fld>
             <a:endParaRPr lang="en-US"/>
           </a:p>
@@ -7660,7 +6737,7 @@
   <p:cSld>
     <p:spTree>
       <p:nvGrpSpPr>
-        <p:cNvPr id="1" name="Shape 118"/>
+        <p:cNvPr id="1" name=""/>
         <p:cNvGrpSpPr/>
         <p:nvPr/>
       </p:nvGrpSpPr>
@@ -7674,10 +6751,10 @@
       </p:grpSpPr>
       <p:sp>
         <p:nvSpPr>
-          <p:cNvPr id="11" name="Shape 120">
+          <p:cNvPr id="8" name="Shape 306">
             <a:extLst>
               <a:ext uri="{FF2B5EF4-FFF2-40B4-BE49-F238E27FC236}">
-                <a16:creationId xmlns:a16="http://schemas.microsoft.com/office/drawing/2014/main" id="{40EC573B-C7E2-4CA8-8C16-EB7E1E421CDE}"/>
+                <a16:creationId xmlns:a16="http://schemas.microsoft.com/office/drawing/2014/main" id="{51D852A2-68CA-4C50-B054-D5F3B086FC32}"/>
               </a:ext>
             </a:extLst>
           </p:cNvPr>
@@ -7686,8 +6763,8 @@
         </p:nvSpPr>
         <p:spPr>
           <a:xfrm>
-            <a:off x="307652" y="164839"/>
-            <a:ext cx="9255798" cy="707886"/>
+            <a:off x="361148" y="335560"/>
+            <a:ext cx="10611651" cy="707886"/>
           </a:xfrm>
           <a:prstGeom prst="rect">
             <a:avLst/>
@@ -7703,32 +6780,119 @@
           </a:bodyPr>
           <a:lstStyle/>
           <a:p>
-            <a:pPr>
+            <a:pPr marL="0" marR="0" lvl="0" indent="0" algn="l" rtl="0">
+              <a:spcBef>
+                <a:spcPts val="0"/>
+              </a:spcBef>
               <a:buSzPct val="25000"/>
+              <a:buNone/>
             </a:pPr>
             <a:r>
               <a:rPr lang="en-US" sz="4000" b="1" dirty="0">
-                <a:solidFill>
-                  <a:schemeClr val="tx1">
-                    <a:lumMod val="85000"/>
-                    <a:lumOff val="15000"/>
-                  </a:schemeClr>
-                </a:solidFill>
                 <a:ea typeface="Calibri"/>
                 <a:cs typeface="Calibri"/>
                 <a:sym typeface="Calibri"/>
               </a:rPr>
-              <a:t>You try it!</a:t>
-            </a:r>
-          </a:p>
-        </p:txBody>
-      </p:sp>
-      <p:sp>
-        <p:nvSpPr>
-          <p:cNvPr id="3" name="Rectangle 2">
+              <a:t>What is exploratory data analysis?</a:t>
+            </a:r>
+          </a:p>
+        </p:txBody>
+      </p:sp>
+      <p:pic>
+        <p:nvPicPr>
+          <p:cNvPr id="4" name="Shape 271" descr="http://upload.wikimedia.org/wikipedia/en/e/e9/John_Tukey.jpg">
             <a:extLst>
               <a:ext uri="{FF2B5EF4-FFF2-40B4-BE49-F238E27FC236}">
-                <a16:creationId xmlns:a16="http://schemas.microsoft.com/office/drawing/2014/main" id="{C0B0F76B-2B24-44D4-9139-AE2D920659AB}"/>
+                <a16:creationId xmlns:a16="http://schemas.microsoft.com/office/drawing/2014/main" id="{A1A27A65-B91F-4796-AA04-18C7EDF8B5F6}"/>
+              </a:ext>
+            </a:extLst>
+          </p:cNvPr>
+          <p:cNvPicPr preferRelativeResize="0"/>
+          <p:nvPr/>
+        </p:nvPicPr>
+        <p:blipFill rotWithShape="1">
+          <a:blip r:embed="rId2">
+            <a:alphaModFix/>
+          </a:blip>
+          <a:srcRect/>
+          <a:stretch/>
+        </p:blipFill>
+        <p:spPr>
+          <a:xfrm>
+            <a:off x="533400" y="1619249"/>
+            <a:ext cx="2819400" cy="3429569"/>
+          </a:xfrm>
+          <a:prstGeom prst="rect">
+            <a:avLst/>
+          </a:prstGeom>
+          <a:noFill/>
+          <a:ln>
+            <a:noFill/>
+          </a:ln>
+        </p:spPr>
+      </p:pic>
+      <p:sp>
+        <p:nvSpPr>
+          <p:cNvPr id="5" name="Shape 272">
+            <a:extLst>
+              <a:ext uri="{FF2B5EF4-FFF2-40B4-BE49-F238E27FC236}">
+                <a16:creationId xmlns:a16="http://schemas.microsoft.com/office/drawing/2014/main" id="{8611DA83-3054-4405-9537-E6A316353D8A}"/>
+              </a:ext>
+            </a:extLst>
+          </p:cNvPr>
+          <p:cNvSpPr txBox="1"/>
+          <p:nvPr/>
+        </p:nvSpPr>
+        <p:spPr>
+          <a:xfrm>
+            <a:off x="3429000" y="1676400"/>
+            <a:ext cx="4003646" cy="584774"/>
+          </a:xfrm>
+          <a:prstGeom prst="rect">
+            <a:avLst/>
+          </a:prstGeom>
+          <a:noFill/>
+          <a:ln>
+            <a:noFill/>
+          </a:ln>
+        </p:spPr>
+        <p:txBody>
+          <a:bodyPr lIns="91425" tIns="45700" rIns="91425" bIns="45700" anchor="t" anchorCtr="0">
+            <a:noAutofit/>
+          </a:bodyPr>
+          <a:lstStyle/>
+          <a:p>
+            <a:pPr marL="0" marR="0" lvl="0" indent="0" algn="l" rtl="0">
+              <a:spcBef>
+                <a:spcPts val="0"/>
+              </a:spcBef>
+              <a:buSzPct val="25000"/>
+              <a:buNone/>
+            </a:pPr>
+            <a:r>
+              <a:rPr lang="en-US" sz="3200" dirty="0">
+                <a:solidFill>
+                  <a:schemeClr val="bg2">
+                    <a:lumMod val="10000"/>
+                    <a:lumOff val="90000"/>
+                  </a:schemeClr>
+                </a:solidFill>
+                <a:latin typeface="Calisto MT" panose="02040603050505030304" pitchFamily="18" charset="0"/>
+                <a:ea typeface="Calibri"/>
+                <a:cs typeface="Calibri"/>
+                <a:sym typeface="Calibri"/>
+              </a:rPr>
+              <a:t>John Tukey</a:t>
+            </a:r>
+          </a:p>
+        </p:txBody>
+      </p:sp>
+      <p:sp>
+        <p:nvSpPr>
+          <p:cNvPr id="7" name="Shape 273">
+            <a:extLst>
+              <a:ext uri="{FF2B5EF4-FFF2-40B4-BE49-F238E27FC236}">
+                <a16:creationId xmlns:a16="http://schemas.microsoft.com/office/drawing/2014/main" id="{A6B960B4-9FDA-4AA1-9C0B-07D346C50449}"/>
               </a:ext>
             </a:extLst>
           </p:cNvPr>
@@ -7737,271 +6901,52 @@
         </p:nvSpPr>
         <p:spPr>
           <a:xfrm>
-            <a:off x="580041" y="856357"/>
-            <a:ext cx="10802957" cy="6124754"/>
+            <a:off x="3425537" y="2986715"/>
+            <a:ext cx="8014217" cy="2062103"/>
           </a:xfrm>
           <a:prstGeom prst="rect">
             <a:avLst/>
           </a:prstGeom>
+          <a:noFill/>
+          <a:ln>
+            <a:noFill/>
+          </a:ln>
         </p:spPr>
         <p:txBody>
-          <a:bodyPr wrap="square">
-            <a:spAutoFit/>
+          <a:bodyPr lIns="91425" tIns="45700" rIns="91425" bIns="45700" anchor="t" anchorCtr="0">
+            <a:noAutofit/>
           </a:bodyPr>
           <a:lstStyle/>
           <a:p>
-            <a:pPr>
+            <a:pPr marL="0" marR="0" lvl="0" indent="0" algn="l" rtl="0">
+              <a:spcBef>
+                <a:spcPts val="0"/>
+              </a:spcBef>
               <a:buSzPct val="25000"/>
+              <a:buNone/>
             </a:pPr>
             <a:r>
-              <a:rPr lang="en-US" sz="2800" dirty="0">
+              <a:rPr lang="en-US" sz="3200" dirty="0">
+                <a:solidFill>
+                  <a:schemeClr val="bg2">
+                    <a:lumMod val="10000"/>
+                    <a:lumOff val="90000"/>
+                  </a:schemeClr>
+                </a:solidFill>
+                <a:latin typeface="Calisto MT" panose="02040603050505030304" pitchFamily="18" charset="0"/>
                 <a:ea typeface="Calibri"/>
                 <a:cs typeface="Calibri"/>
                 <a:sym typeface="Calibri"/>
               </a:rPr>
-              <a:t>Create dummy variables (0/1) that flag your “low education” county</a:t>
-            </a:r>
-          </a:p>
-          <a:p>
-            <a:pPr>
-              <a:buSzPct val="25000"/>
-            </a:pPr>
-            <a:endParaRPr lang="en-US" sz="2800" dirty="0">
-              <a:ea typeface="Calibri"/>
-              <a:cs typeface="Calibri"/>
-              <a:sym typeface="Calibri"/>
-            </a:endParaRPr>
-          </a:p>
-          <a:p>
-            <a:pPr marL="457200" indent="-457200">
-              <a:buSzPct val="100000"/>
-              <a:buFont typeface="Arial" panose="020B0604020202020204" pitchFamily="34" charset="0"/>
-              <a:buChar char="•"/>
-            </a:pPr>
-            <a:r>
-              <a:rPr lang="en-US" sz="2800" dirty="0">
-                <a:ea typeface="Calibri"/>
-                <a:cs typeface="Calibri"/>
-                <a:sym typeface="Calibri"/>
-              </a:rPr>
-              <a:t>Group 1: Identify counties in the top quartile for not completing high school (</a:t>
-            </a:r>
-            <a:r>
-              <a:rPr lang="en-US" sz="2800" dirty="0" err="1">
-                <a:ea typeface="Calibri"/>
-                <a:cs typeface="Calibri"/>
-                <a:sym typeface="Calibri"/>
-              </a:rPr>
-              <a:t>LessHSPct</a:t>
-            </a:r>
-            <a:r>
-              <a:rPr lang="en-US" sz="2800" dirty="0">
-                <a:ea typeface="Calibri"/>
-                <a:cs typeface="Calibri"/>
-                <a:sym typeface="Calibri"/>
-              </a:rPr>
-              <a:t>)</a:t>
-            </a:r>
-          </a:p>
-          <a:p>
-            <a:pPr marL="457200" indent="-457200">
-              <a:buSzPct val="100000"/>
-              <a:buFont typeface="Arial" panose="020B0604020202020204" pitchFamily="34" charset="0"/>
-              <a:buChar char="•"/>
-            </a:pPr>
-            <a:r>
-              <a:rPr lang="en-US" sz="2800" dirty="0">
-                <a:ea typeface="Calibri"/>
-                <a:cs typeface="Calibri"/>
-                <a:sym typeface="Calibri"/>
-              </a:rPr>
-              <a:t>Group 2: Use the </a:t>
-            </a:r>
-            <a:r>
-              <a:rPr lang="en-US" sz="2800" dirty="0" err="1">
-                <a:ea typeface="Calibri"/>
-                <a:cs typeface="Calibri"/>
-                <a:sym typeface="Calibri"/>
-              </a:rPr>
-              <a:t>LessHSPct</a:t>
-            </a:r>
-            <a:r>
-              <a:rPr lang="en-US" sz="2800" dirty="0">
-                <a:ea typeface="Calibri"/>
-                <a:cs typeface="Calibri"/>
-                <a:sym typeface="Calibri"/>
-              </a:rPr>
-              <a:t> and </a:t>
-            </a:r>
-            <a:r>
-              <a:rPr lang="en-US" sz="2800" dirty="0" err="1">
-                <a:ea typeface="Calibri"/>
-                <a:cs typeface="Calibri"/>
-                <a:sym typeface="Calibri"/>
-              </a:rPr>
-              <a:t>HSGradPct</a:t>
-            </a:r>
-            <a:r>
-              <a:rPr lang="en-US" sz="2800" dirty="0">
-                <a:ea typeface="Calibri"/>
-                <a:cs typeface="Calibri"/>
-                <a:sym typeface="Calibri"/>
-              </a:rPr>
-              <a:t> variables. Identify counties in the top quartile for this figure.</a:t>
-            </a:r>
-          </a:p>
-          <a:p>
-            <a:pPr marL="457200" indent="-457200">
-              <a:buSzPct val="100000"/>
-              <a:buFont typeface="Arial" panose="020B0604020202020204" pitchFamily="34" charset="0"/>
-              <a:buChar char="•"/>
-            </a:pPr>
-            <a:r>
-              <a:rPr lang="en-US" sz="2800" dirty="0">
-                <a:ea typeface="Calibri"/>
-                <a:cs typeface="Calibri"/>
-                <a:sym typeface="Calibri"/>
-              </a:rPr>
-              <a:t>Group 3: Identify counties more than 2 standard deviations higher than the mean for </a:t>
-            </a:r>
-            <a:r>
-              <a:rPr lang="en-US" sz="2800" dirty="0" err="1">
-                <a:ea typeface="Calibri"/>
-                <a:cs typeface="Calibri"/>
-                <a:sym typeface="Calibri"/>
-              </a:rPr>
-              <a:t>LessHSPct</a:t>
-            </a:r>
-            <a:endParaRPr lang="en-US" sz="2800" dirty="0">
-              <a:ea typeface="Calibri"/>
-              <a:cs typeface="Calibri"/>
-              <a:sym typeface="Calibri"/>
-            </a:endParaRPr>
-          </a:p>
-          <a:p>
-            <a:pPr marL="457200" indent="-457200">
-              <a:buSzPct val="100000"/>
-              <a:buFont typeface="Arial" panose="020B0604020202020204" pitchFamily="34" charset="0"/>
-              <a:buChar char="•"/>
-            </a:pPr>
-            <a:r>
-              <a:rPr lang="en-US" sz="2800" dirty="0">
-                <a:ea typeface="Calibri"/>
-                <a:cs typeface="Calibri"/>
-                <a:sym typeface="Calibri"/>
-              </a:rPr>
-              <a:t>Group 4: Use the </a:t>
-            </a:r>
-            <a:r>
-              <a:rPr lang="en-US" sz="2800" dirty="0" err="1">
-                <a:ea typeface="Calibri"/>
-                <a:cs typeface="Calibri"/>
-                <a:sym typeface="Calibri"/>
-              </a:rPr>
-              <a:t>LessHSPct</a:t>
-            </a:r>
-            <a:r>
-              <a:rPr lang="en-US" sz="2800" dirty="0">
-                <a:ea typeface="Calibri"/>
-                <a:cs typeface="Calibri"/>
-                <a:sym typeface="Calibri"/>
-              </a:rPr>
-              <a:t> and </a:t>
-            </a:r>
-            <a:r>
-              <a:rPr lang="en-US" sz="2800" dirty="0" err="1">
-                <a:ea typeface="Calibri"/>
-                <a:cs typeface="Calibri"/>
-                <a:sym typeface="Calibri"/>
-              </a:rPr>
-              <a:t>HSGradPct</a:t>
-            </a:r>
-            <a:r>
-              <a:rPr lang="en-US" sz="2800" dirty="0">
-                <a:ea typeface="Calibri"/>
-                <a:cs typeface="Calibri"/>
-                <a:sym typeface="Calibri"/>
-              </a:rPr>
-              <a:t> variables. Identify counties more than 2 standard deviations above the mean.</a:t>
-            </a:r>
-          </a:p>
-          <a:p>
-            <a:pPr marL="457200" indent="-457200">
-              <a:buSzPct val="100000"/>
-              <a:buFont typeface="Arial" panose="020B0604020202020204" pitchFamily="34" charset="0"/>
-              <a:buChar char="•"/>
-            </a:pPr>
-            <a:r>
-              <a:rPr lang="en-US" sz="2800" dirty="0">
-                <a:ea typeface="Calibri"/>
-                <a:cs typeface="Calibri"/>
-                <a:sym typeface="Calibri"/>
-              </a:rPr>
-              <a:t>Group 5: Identify upper outliers for the </a:t>
-            </a:r>
-            <a:r>
-              <a:rPr lang="en-US" sz="2800" dirty="0" err="1">
-                <a:ea typeface="Calibri"/>
-                <a:cs typeface="Calibri"/>
-                <a:sym typeface="Calibri"/>
-              </a:rPr>
-              <a:t>LessHSPct</a:t>
-            </a:r>
-            <a:r>
-              <a:rPr lang="en-US" sz="2800" dirty="0">
-                <a:ea typeface="Calibri"/>
-                <a:cs typeface="Calibri"/>
-                <a:sym typeface="Calibri"/>
-              </a:rPr>
-              <a:t> variable. The threshold is the 3</a:t>
-            </a:r>
-            <a:r>
-              <a:rPr lang="en-US" sz="2800" baseline="30000" dirty="0">
-                <a:ea typeface="Calibri"/>
-                <a:cs typeface="Calibri"/>
-                <a:sym typeface="Calibri"/>
-              </a:rPr>
-              <a:t>rd</a:t>
-            </a:r>
-            <a:r>
-              <a:rPr lang="en-US" sz="2800" dirty="0">
-                <a:ea typeface="Calibri"/>
-                <a:cs typeface="Calibri"/>
-                <a:sym typeface="Calibri"/>
-              </a:rPr>
-              <a:t> quartile value + 1.5 * the IQR </a:t>
-            </a:r>
-          </a:p>
-          <a:p>
-            <a:pPr marL="457200" indent="-457200">
-              <a:buSzPct val="100000"/>
-              <a:buFont typeface="Arial" panose="020B0604020202020204" pitchFamily="34" charset="0"/>
-              <a:buChar char="•"/>
-            </a:pPr>
-            <a:endParaRPr lang="en-US" sz="2800" dirty="0">
-              <a:ea typeface="Calibri"/>
-              <a:cs typeface="Calibri"/>
-              <a:sym typeface="Calibri"/>
-            </a:endParaRPr>
-          </a:p>
-          <a:p>
-            <a:pPr marL="457200" indent="-457200">
-              <a:buSzPct val="100000"/>
-              <a:buFont typeface="Arial" panose="020B0604020202020204" pitchFamily="34" charset="0"/>
-              <a:buChar char="•"/>
-            </a:pPr>
-            <a:endParaRPr lang="en-US" sz="2800" dirty="0">
-              <a:ea typeface="Calibri"/>
-              <a:cs typeface="Calibri"/>
-              <a:sym typeface="Calibri"/>
-            </a:endParaRPr>
+              <a:t>“Numerical quantities focus on expected values, graphical summaries on unexpected values.”</a:t>
+            </a:r>
           </a:p>
         </p:txBody>
       </p:sp>
     </p:spTree>
     <p:extLst>
       <p:ext uri="{BB962C8B-B14F-4D97-AF65-F5344CB8AC3E}">
-        <p14:creationId xmlns:p14="http://schemas.microsoft.com/office/powerpoint/2010/main" val="133495747"/>
+        <p14:creationId xmlns:p14="http://schemas.microsoft.com/office/powerpoint/2010/main" val="818984356"/>
       </p:ext>
     </p:extLst>
   </p:cSld>
@@ -8012,6 +6957,122 @@
 </file>
 
 <file path=ppt/slides/slide11.xml><?xml version="1.0" encoding="utf-8"?>
+<p:sld xmlns:a="http://schemas.openxmlformats.org/drawingml/2006/main" xmlns:r="http://schemas.openxmlformats.org/officeDocument/2006/relationships" xmlns:p="http://schemas.openxmlformats.org/presentationml/2006/main">
+  <p:cSld>
+    <p:bg>
+      <p:bgPr>
+        <a:solidFill>
+          <a:srgbClr val="FFFFFF"/>
+        </a:solidFill>
+        <a:effectLst/>
+      </p:bgPr>
+    </p:bg>
+    <p:spTree>
+      <p:nvGrpSpPr>
+        <p:cNvPr id="1" name=""/>
+        <p:cNvGrpSpPr/>
+        <p:nvPr/>
+      </p:nvGrpSpPr>
+      <p:grpSpPr>
+        <a:xfrm>
+          <a:off x="0" y="0"/>
+          <a:ext cx="0" cy="0"/>
+          <a:chOff x="0" y="0"/>
+          <a:chExt cx="0" cy="0"/>
+        </a:xfrm>
+      </p:grpSpPr>
+      <p:pic>
+        <p:nvPicPr>
+          <p:cNvPr id="3" name="Picture 2">
+            <a:extLst>
+              <a:ext uri="{FF2B5EF4-FFF2-40B4-BE49-F238E27FC236}">
+                <a16:creationId xmlns:a16="http://schemas.microsoft.com/office/drawing/2014/main" id="{02B480F9-BFC1-4B4D-A0D9-0DE4E4731A71}"/>
+              </a:ext>
+            </a:extLst>
+          </p:cNvPr>
+          <p:cNvPicPr>
+            <a:picLocks noChangeAspect="1"/>
+          </p:cNvPicPr>
+          <p:nvPr/>
+        </p:nvPicPr>
+        <p:blipFill>
+          <a:blip r:embed="rId2">
+            <a:extLst>
+              <a:ext uri="{28A0092B-C50C-407E-A947-70E740481C1C}">
+                <a14:useLocalDpi xmlns:a14="http://schemas.microsoft.com/office/drawing/2010/main" val="0"/>
+              </a:ext>
+            </a:extLst>
+          </a:blip>
+          <a:stretch>
+            <a:fillRect/>
+          </a:stretch>
+        </p:blipFill>
+        <p:spPr>
+          <a:xfrm>
+            <a:off x="1300002" y="0"/>
+            <a:ext cx="9591995" cy="6858000"/>
+          </a:xfrm>
+          <a:prstGeom prst="rect">
+            <a:avLst/>
+          </a:prstGeom>
+        </p:spPr>
+      </p:pic>
+      <p:sp>
+        <p:nvSpPr>
+          <p:cNvPr id="9" name="TextBox 8">
+            <a:extLst>
+              <a:ext uri="{FF2B5EF4-FFF2-40B4-BE49-F238E27FC236}">
+                <a16:creationId xmlns:a16="http://schemas.microsoft.com/office/drawing/2014/main" id="{8C28992C-20FB-47CE-924A-A03E3EAE72B0}"/>
+              </a:ext>
+            </a:extLst>
+          </p:cNvPr>
+          <p:cNvSpPr txBox="1"/>
+          <p:nvPr/>
+        </p:nvSpPr>
+        <p:spPr>
+          <a:xfrm>
+            <a:off x="5415792" y="6488668"/>
+            <a:ext cx="6776208" cy="369332"/>
+          </a:xfrm>
+          <a:prstGeom prst="rect">
+            <a:avLst/>
+          </a:prstGeom>
+          <a:noFill/>
+        </p:spPr>
+        <p:txBody>
+          <a:bodyPr wrap="square">
+            <a:spAutoFit/>
+          </a:bodyPr>
+          <a:lstStyle/>
+          <a:p>
+            <a:r>
+              <a:rPr lang="en-US" dirty="0">
+                <a:solidFill>
+                  <a:schemeClr val="bg1">
+                    <a:lumMod val="75000"/>
+                    <a:lumOff val="25000"/>
+                  </a:schemeClr>
+                </a:solidFill>
+              </a:rPr>
+              <a:t>https://www.geeksforgeeks.org/what-is-exploratory-data-analysis/</a:t>
+            </a:r>
+          </a:p>
+        </p:txBody>
+      </p:sp>
+    </p:spTree>
+    <p:extLst>
+      <p:ext uri="{BB962C8B-B14F-4D97-AF65-F5344CB8AC3E}">
+        <p14:creationId xmlns:p14="http://schemas.microsoft.com/office/powerpoint/2010/main" val="4215650757"/>
+      </p:ext>
+    </p:extLst>
+  </p:cSld>
+  <p:clrMapOvr>
+    <a:masterClrMapping/>
+  </p:clrMapOvr>
+</p:sld>
+</file>
+
+<file path=ppt/slides/slide12.xml><?xml version="1.0" encoding="utf-8"?>
 <p:sld xmlns:a="http://schemas.openxmlformats.org/drawingml/2006/main" xmlns:r="http://schemas.openxmlformats.org/officeDocument/2006/relationships" xmlns:p="http://schemas.openxmlformats.org/presentationml/2006/main">
   <p:cSld>
     <p:spTree>
@@ -8082,6 +7143,7 @@
       <p:pic>
         <p:nvPicPr>
           <p:cNvPr id="4" name="Picture 3">
+            <a:hlinkClick r:id="rId3"/>
             <a:extLst>
               <a:ext uri="{FF2B5EF4-FFF2-40B4-BE49-F238E27FC236}">
                 <a16:creationId xmlns:a16="http://schemas.microsoft.com/office/drawing/2014/main" id="{47274A80-E6F1-4EEC-866D-461B285D8767}"/>
@@ -8094,7 +7156,7 @@
           <p:nvPr/>
         </p:nvPicPr>
         <p:blipFill>
-          <a:blip r:embed="rId3">
+          <a:blip r:embed="rId4">
             <a:extLst>
               <a:ext uri="{28A0092B-C50C-407E-A947-70E740481C1C}">
                 <a14:useLocalDpi xmlns:a14="http://schemas.microsoft.com/office/drawing/2010/main" val="0"/>
@@ -8118,6 +7180,7 @@
       <p:pic>
         <p:nvPicPr>
           <p:cNvPr id="6" name="Picture 5">
+            <a:hlinkClick r:id="rId5"/>
             <a:extLst>
               <a:ext uri="{FF2B5EF4-FFF2-40B4-BE49-F238E27FC236}">
                 <a16:creationId xmlns:a16="http://schemas.microsoft.com/office/drawing/2014/main" id="{1822356D-1B40-4158-84E5-5214A2C89557}"/>
@@ -8130,7 +7193,7 @@
           <p:nvPr/>
         </p:nvPicPr>
         <p:blipFill>
-          <a:blip r:embed="rId4">
+          <a:blip r:embed="rId6">
             <a:extLst>
               <a:ext uri="{28A0092B-C50C-407E-A947-70E740481C1C}">
                 <a14:useLocalDpi xmlns:a14="http://schemas.microsoft.com/office/drawing/2010/main" val="0"/>
@@ -8195,8 +7258,8 @@
         </p:nvSpPr>
         <p:spPr>
           <a:xfrm>
-            <a:off x="226503" y="167780"/>
-            <a:ext cx="6710748" cy="646331"/>
+            <a:off x="419450" y="377505"/>
+            <a:ext cx="5335371" cy="646331"/>
           </a:xfrm>
           <a:prstGeom prst="rect">
             <a:avLst/>
@@ -8211,7 +7274,692 @@
           <a:p>
             <a:r>
               <a:rPr lang="en-US" sz="3600" b="1" dirty="0"/>
-              <a:t>This week: Descriptive statistics</a:t>
+              <a:t>Know your variable types</a:t>
+            </a:r>
+          </a:p>
+        </p:txBody>
+      </p:sp>
+      <p:sp>
+        <p:nvSpPr>
+          <p:cNvPr id="8" name="TextBox 7">
+            <a:extLst>
+              <a:ext uri="{FF2B5EF4-FFF2-40B4-BE49-F238E27FC236}">
+                <a16:creationId xmlns:a16="http://schemas.microsoft.com/office/drawing/2014/main" id="{BAB3EBB5-5DE2-4CDE-B566-811393994CA9}"/>
+              </a:ext>
+            </a:extLst>
+          </p:cNvPr>
+          <p:cNvSpPr txBox="1"/>
+          <p:nvPr/>
+        </p:nvSpPr>
+        <p:spPr>
+          <a:xfrm>
+            <a:off x="857774" y="1123854"/>
+            <a:ext cx="10467363" cy="3539430"/>
+          </a:xfrm>
+          <a:prstGeom prst="rect">
+            <a:avLst/>
+          </a:prstGeom>
+          <a:noFill/>
+        </p:spPr>
+        <p:txBody>
+          <a:bodyPr wrap="square">
+            <a:spAutoFit/>
+          </a:bodyPr>
+          <a:lstStyle/>
+          <a:p>
+            <a:pPr marL="457200" indent="-457200">
+              <a:buFont typeface="Arial" panose="020B0604020202020204" pitchFamily="34" charset="0"/>
+              <a:buChar char="•"/>
+            </a:pPr>
+            <a:r>
+              <a:rPr lang="en-US" sz="2800" b="1" dirty="0">
+                <a:solidFill>
+                  <a:schemeClr val="accent2"/>
+                </a:solidFill>
+              </a:rPr>
+              <a:t>Nominal/categorical: </a:t>
+            </a:r>
+            <a:r>
+              <a:rPr lang="en-US" sz="2800" dirty="0"/>
+              <a:t>non-ordered and qualitative</a:t>
+            </a:r>
+          </a:p>
+          <a:p>
+            <a:pPr marL="914400" lvl="1" indent="-457200">
+              <a:buFont typeface="Arial" panose="020B0604020202020204" pitchFamily="34" charset="0"/>
+              <a:buChar char="•"/>
+            </a:pPr>
+            <a:r>
+              <a:rPr lang="en-US" sz="2800" dirty="0"/>
+              <a:t>Geographic regions, land use classifications </a:t>
+            </a:r>
+          </a:p>
+          <a:p>
+            <a:pPr marL="457200" indent="-457200">
+              <a:buFont typeface="Arial" panose="020B0604020202020204" pitchFamily="34" charset="0"/>
+              <a:buChar char="•"/>
+            </a:pPr>
+            <a:r>
+              <a:rPr lang="en-US" sz="2800" b="1" dirty="0">
+                <a:solidFill>
+                  <a:schemeClr val="accent2"/>
+                </a:solidFill>
+              </a:rPr>
+              <a:t>Ordinal: </a:t>
+            </a:r>
+            <a:r>
+              <a:rPr lang="en-US" sz="2800" dirty="0"/>
+              <a:t>qualitative but ranked</a:t>
+            </a:r>
+          </a:p>
+          <a:p>
+            <a:pPr marL="914400" lvl="1" indent="-457200">
+              <a:buFont typeface="Arial" panose="020B0604020202020204" pitchFamily="34" charset="0"/>
+              <a:buChar char="•"/>
+            </a:pPr>
+            <a:r>
+              <a:rPr lang="en-US" sz="2800" dirty="0"/>
+              <a:t>Months of the year, storm intensity</a:t>
+            </a:r>
+          </a:p>
+          <a:p>
+            <a:pPr marL="457200" indent="-457200">
+              <a:buFont typeface="Arial" panose="020B0604020202020204" pitchFamily="34" charset="0"/>
+              <a:buChar char="•"/>
+            </a:pPr>
+            <a:r>
+              <a:rPr lang="en-US" sz="2800" b="1" dirty="0">
+                <a:solidFill>
+                  <a:schemeClr val="accent2"/>
+                </a:solidFill>
+              </a:rPr>
+              <a:t>Interval: </a:t>
+            </a:r>
+            <a:r>
+              <a:rPr lang="en-US" sz="2800" dirty="0"/>
+              <a:t>Quantitative but without a true zero</a:t>
+            </a:r>
+          </a:p>
+          <a:p>
+            <a:pPr marL="914400" lvl="1" indent="-457200">
+              <a:buFont typeface="Arial" panose="020B0604020202020204" pitchFamily="34" charset="0"/>
+              <a:buChar char="•"/>
+            </a:pPr>
+            <a:r>
+              <a:rPr lang="en-US" sz="2800" dirty="0"/>
+              <a:t>Temperature, years</a:t>
+            </a:r>
+          </a:p>
+          <a:p>
+            <a:pPr marL="457200" indent="-457200">
+              <a:buFont typeface="Arial" panose="020B0604020202020204" pitchFamily="34" charset="0"/>
+              <a:buChar char="•"/>
+            </a:pPr>
+            <a:r>
+              <a:rPr lang="en-US" sz="2800" b="1" dirty="0">
+                <a:solidFill>
+                  <a:schemeClr val="accent2"/>
+                </a:solidFill>
+              </a:rPr>
+              <a:t>Ratio: </a:t>
+            </a:r>
+            <a:r>
+              <a:rPr lang="en-US" sz="2800" dirty="0"/>
+              <a:t>Quantitative and divisible</a:t>
+            </a:r>
+          </a:p>
+          <a:p>
+            <a:pPr marL="914400" lvl="1" indent="-457200">
+              <a:buFont typeface="Arial" panose="020B0604020202020204" pitchFamily="34" charset="0"/>
+              <a:buChar char="•"/>
+            </a:pPr>
+            <a:r>
+              <a:rPr lang="en-US" sz="2800" dirty="0"/>
+              <a:t>Rainfall amounts, program budget amounts</a:t>
+            </a:r>
+          </a:p>
+        </p:txBody>
+      </p:sp>
+    </p:spTree>
+    <p:extLst>
+      <p:ext uri="{BB962C8B-B14F-4D97-AF65-F5344CB8AC3E}">
+        <p14:creationId xmlns:p14="http://schemas.microsoft.com/office/powerpoint/2010/main" val="3926810962"/>
+      </p:ext>
+    </p:extLst>
+  </p:cSld>
+  <p:clrMapOvr>
+    <a:masterClrMapping/>
+  </p:clrMapOvr>
+</p:sld>
+</file>
+
+<file path=ppt/slides/slide3.xml><?xml version="1.0" encoding="utf-8"?>
+<p:sld xmlns:a="http://schemas.openxmlformats.org/drawingml/2006/main" xmlns:r="http://schemas.openxmlformats.org/officeDocument/2006/relationships" xmlns:p="http://schemas.openxmlformats.org/presentationml/2006/main">
+  <p:cSld>
+    <p:spTree>
+      <p:nvGrpSpPr>
+        <p:cNvPr id="1" name=""/>
+        <p:cNvGrpSpPr/>
+        <p:nvPr/>
+      </p:nvGrpSpPr>
+      <p:grpSpPr>
+        <a:xfrm>
+          <a:off x="0" y="0"/>
+          <a:ext cx="0" cy="0"/>
+          <a:chOff x="0" y="0"/>
+          <a:chExt cx="0" cy="0"/>
+        </a:xfrm>
+      </p:grpSpPr>
+      <p:sp>
+        <p:nvSpPr>
+          <p:cNvPr id="5" name="TextBox 4">
+            <a:extLst>
+              <a:ext uri="{FF2B5EF4-FFF2-40B4-BE49-F238E27FC236}">
+                <a16:creationId xmlns:a16="http://schemas.microsoft.com/office/drawing/2014/main" id="{87AFCEE9-B3D7-48C4-953B-1DAEBD576D89}"/>
+              </a:ext>
+            </a:extLst>
+          </p:cNvPr>
+          <p:cNvSpPr txBox="1"/>
+          <p:nvPr/>
+        </p:nvSpPr>
+        <p:spPr>
+          <a:xfrm>
+            <a:off x="874551" y="364803"/>
+            <a:ext cx="10719034" cy="3194721"/>
+          </a:xfrm>
+          <a:prstGeom prst="rect">
+            <a:avLst/>
+          </a:prstGeom>
+          <a:noFill/>
+        </p:spPr>
+        <p:txBody>
+          <a:bodyPr wrap="square">
+            <a:spAutoFit/>
+          </a:bodyPr>
+          <a:lstStyle/>
+          <a:p>
+            <a:pPr marL="0" marR="0" lvl="0" indent="0" algn="l" rtl="0">
+              <a:lnSpc>
+                <a:spcPct val="90000"/>
+              </a:lnSpc>
+              <a:spcBef>
+                <a:spcPts val="0"/>
+              </a:spcBef>
+              <a:buSzPct val="25000"/>
+              <a:buNone/>
+            </a:pPr>
+            <a:r>
+              <a:rPr lang="en-US" sz="2800" b="1" u="sng" dirty="0">
+                <a:solidFill>
+                  <a:schemeClr val="bg2">
+                    <a:lumMod val="10000"/>
+                    <a:lumOff val="90000"/>
+                  </a:schemeClr>
+                </a:solidFill>
+                <a:latin typeface="Calisto MT" panose="02040603050505030304" pitchFamily="18" charset="0"/>
+                <a:ea typeface="Calibri"/>
+                <a:cs typeface="Calibri"/>
+                <a:sym typeface="Calibri"/>
+              </a:rPr>
+              <a:t>What kind of data is it?</a:t>
+            </a:r>
+          </a:p>
+          <a:p>
+            <a:pPr marL="342900" marR="0" lvl="0" indent="-342900" algn="l" rtl="0">
+              <a:lnSpc>
+                <a:spcPct val="90000"/>
+              </a:lnSpc>
+              <a:spcBef>
+                <a:spcPts val="0"/>
+              </a:spcBef>
+              <a:buClr>
+                <a:schemeClr val="bg2">
+                  <a:lumMod val="10000"/>
+                  <a:lumOff val="90000"/>
+                </a:schemeClr>
+              </a:buClr>
+              <a:buSzPct val="100000"/>
+              <a:buFont typeface="Arial" panose="020B0604020202020204" pitchFamily="34" charset="0"/>
+              <a:buChar char="•"/>
+            </a:pPr>
+            <a:r>
+              <a:rPr lang="en-US" sz="2800" dirty="0">
+                <a:solidFill>
+                  <a:schemeClr val="bg2">
+                    <a:lumMod val="10000"/>
+                    <a:lumOff val="90000"/>
+                  </a:schemeClr>
+                </a:solidFill>
+                <a:latin typeface="Calisto MT" panose="02040603050505030304" pitchFamily="18" charset="0"/>
+                <a:ea typeface="Calibri"/>
+                <a:cs typeface="Calibri"/>
+                <a:sym typeface="Calibri"/>
+              </a:rPr>
+              <a:t>Letter grades on an essay exam</a:t>
+            </a:r>
+          </a:p>
+          <a:p>
+            <a:pPr marL="342900" marR="0" lvl="0" indent="-342900" algn="l" rtl="0">
+              <a:lnSpc>
+                <a:spcPct val="90000"/>
+              </a:lnSpc>
+              <a:spcBef>
+                <a:spcPts val="0"/>
+              </a:spcBef>
+              <a:buClr>
+                <a:schemeClr val="bg2">
+                  <a:lumMod val="10000"/>
+                  <a:lumOff val="90000"/>
+                </a:schemeClr>
+              </a:buClr>
+              <a:buSzPct val="100000"/>
+              <a:buFont typeface="Arial" panose="020B0604020202020204" pitchFamily="34" charset="0"/>
+              <a:buChar char="•"/>
+            </a:pPr>
+            <a:r>
+              <a:rPr lang="en-US" sz="2800" dirty="0">
+                <a:solidFill>
+                  <a:schemeClr val="bg2">
+                    <a:lumMod val="10000"/>
+                    <a:lumOff val="90000"/>
+                  </a:schemeClr>
+                </a:solidFill>
+                <a:latin typeface="Calisto MT" panose="02040603050505030304" pitchFamily="18" charset="0"/>
+                <a:ea typeface="Calibri"/>
+                <a:cs typeface="Calibri"/>
+                <a:sym typeface="Calibri"/>
+              </a:rPr>
+              <a:t>Birth year of graduate students in a department</a:t>
+            </a:r>
+          </a:p>
+          <a:p>
+            <a:pPr marL="342900" marR="0" lvl="0" indent="-342900" algn="l" rtl="0">
+              <a:lnSpc>
+                <a:spcPct val="90000"/>
+              </a:lnSpc>
+              <a:spcBef>
+                <a:spcPts val="0"/>
+              </a:spcBef>
+              <a:buClr>
+                <a:schemeClr val="bg2">
+                  <a:lumMod val="10000"/>
+                  <a:lumOff val="90000"/>
+                </a:schemeClr>
+              </a:buClr>
+              <a:buSzPct val="100000"/>
+              <a:buFont typeface="Arial" panose="020B0604020202020204" pitchFamily="34" charset="0"/>
+              <a:buChar char="•"/>
+            </a:pPr>
+            <a:r>
+              <a:rPr lang="en-US" sz="2800" dirty="0">
+                <a:solidFill>
+                  <a:schemeClr val="bg2">
+                    <a:lumMod val="10000"/>
+                    <a:lumOff val="90000"/>
+                  </a:schemeClr>
+                </a:solidFill>
+                <a:latin typeface="Calisto MT" panose="02040603050505030304" pitchFamily="18" charset="0"/>
+                <a:ea typeface="Calibri"/>
+                <a:cs typeface="Calibri"/>
+                <a:sym typeface="Calibri"/>
+              </a:rPr>
+              <a:t>Number of students from each country in a large course</a:t>
+            </a:r>
+          </a:p>
+          <a:p>
+            <a:pPr marL="342900" marR="0" lvl="0" indent="-342900" algn="l" rtl="0">
+              <a:lnSpc>
+                <a:spcPct val="90000"/>
+              </a:lnSpc>
+              <a:spcBef>
+                <a:spcPts val="0"/>
+              </a:spcBef>
+              <a:buClr>
+                <a:schemeClr val="bg2">
+                  <a:lumMod val="10000"/>
+                  <a:lumOff val="90000"/>
+                </a:schemeClr>
+              </a:buClr>
+              <a:buSzPct val="100000"/>
+              <a:buFont typeface="Arial" panose="020B0604020202020204" pitchFamily="34" charset="0"/>
+              <a:buChar char="•"/>
+            </a:pPr>
+            <a:r>
+              <a:rPr lang="en-US" sz="2800" dirty="0">
+                <a:solidFill>
+                  <a:schemeClr val="bg2">
+                    <a:lumMod val="10000"/>
+                    <a:lumOff val="90000"/>
+                  </a:schemeClr>
+                </a:solidFill>
+                <a:latin typeface="Calisto MT" panose="02040603050505030304" pitchFamily="18" charset="0"/>
+                <a:ea typeface="Calibri"/>
+                <a:cs typeface="Calibri"/>
+                <a:sym typeface="Calibri"/>
+              </a:rPr>
+              <a:t>Degree objectives for geography students (BA/BS, MA/MS, </a:t>
+            </a:r>
+            <a:r>
+              <a:rPr lang="en-US" sz="2800" dirty="0" err="1">
+                <a:solidFill>
+                  <a:schemeClr val="bg2">
+                    <a:lumMod val="10000"/>
+                    <a:lumOff val="90000"/>
+                  </a:schemeClr>
+                </a:solidFill>
+                <a:latin typeface="Calisto MT" panose="02040603050505030304" pitchFamily="18" charset="0"/>
+                <a:ea typeface="Calibri"/>
+                <a:cs typeface="Calibri"/>
+                <a:sym typeface="Calibri"/>
+              </a:rPr>
+              <a:t>Phd</a:t>
+            </a:r>
+            <a:r>
+              <a:rPr lang="en-US" sz="2800" dirty="0">
+                <a:solidFill>
+                  <a:schemeClr val="bg2">
+                    <a:lumMod val="10000"/>
+                    <a:lumOff val="90000"/>
+                  </a:schemeClr>
+                </a:solidFill>
+                <a:latin typeface="Calisto MT" panose="02040603050505030304" pitchFamily="18" charset="0"/>
+                <a:ea typeface="Calibri"/>
+                <a:cs typeface="Calibri"/>
+                <a:sym typeface="Calibri"/>
+              </a:rPr>
+              <a:t>)</a:t>
+            </a:r>
+          </a:p>
+          <a:p>
+            <a:pPr marL="342900" marR="0" lvl="0" indent="-342900" algn="l" rtl="0">
+              <a:lnSpc>
+                <a:spcPct val="90000"/>
+              </a:lnSpc>
+              <a:spcBef>
+                <a:spcPts val="0"/>
+              </a:spcBef>
+              <a:buClr>
+                <a:schemeClr val="bg2">
+                  <a:lumMod val="10000"/>
+                  <a:lumOff val="90000"/>
+                </a:schemeClr>
+              </a:buClr>
+              <a:buSzPct val="100000"/>
+              <a:buFont typeface="Arial" panose="020B0604020202020204" pitchFamily="34" charset="0"/>
+              <a:buChar char="•"/>
+            </a:pPr>
+            <a:r>
+              <a:rPr lang="en-US" sz="2800" dirty="0">
+                <a:solidFill>
+                  <a:schemeClr val="bg2">
+                    <a:lumMod val="10000"/>
+                    <a:lumOff val="90000"/>
+                  </a:schemeClr>
+                </a:solidFill>
+                <a:latin typeface="Calisto MT" panose="02040603050505030304" pitchFamily="18" charset="0"/>
+                <a:ea typeface="Calibri"/>
+                <a:cs typeface="Calibri"/>
+                <a:sym typeface="Calibri"/>
+              </a:rPr>
+              <a:t>Flavors of ice cream</a:t>
+            </a:r>
+          </a:p>
+          <a:p>
+            <a:pPr marL="342900" marR="0" lvl="0" indent="-342900" algn="l" rtl="0">
+              <a:lnSpc>
+                <a:spcPct val="90000"/>
+              </a:lnSpc>
+              <a:spcBef>
+                <a:spcPts val="0"/>
+              </a:spcBef>
+              <a:buClr>
+                <a:schemeClr val="bg2">
+                  <a:lumMod val="10000"/>
+                  <a:lumOff val="90000"/>
+                </a:schemeClr>
+              </a:buClr>
+              <a:buSzPct val="100000"/>
+              <a:buFont typeface="Arial" panose="020B0604020202020204" pitchFamily="34" charset="0"/>
+              <a:buChar char="•"/>
+            </a:pPr>
+            <a:r>
+              <a:rPr lang="en-US" sz="2800" dirty="0">
+                <a:solidFill>
+                  <a:schemeClr val="bg2">
+                    <a:lumMod val="10000"/>
+                    <a:lumOff val="90000"/>
+                  </a:schemeClr>
+                </a:solidFill>
+                <a:latin typeface="Calisto MT" panose="02040603050505030304" pitchFamily="18" charset="0"/>
+                <a:ea typeface="Calibri"/>
+                <a:cs typeface="Calibri"/>
+                <a:sym typeface="Calibri"/>
+              </a:rPr>
+              <a:t>Grams of fat in ice cream</a:t>
+            </a:r>
+          </a:p>
+          <a:p>
+            <a:pPr marL="342900" marR="0" lvl="0" indent="-342900" algn="l" rtl="0">
+              <a:lnSpc>
+                <a:spcPct val="90000"/>
+              </a:lnSpc>
+              <a:spcBef>
+                <a:spcPts val="0"/>
+              </a:spcBef>
+              <a:buClr>
+                <a:schemeClr val="bg2">
+                  <a:lumMod val="10000"/>
+                  <a:lumOff val="90000"/>
+                </a:schemeClr>
+              </a:buClr>
+              <a:buSzPct val="100000"/>
+              <a:buFont typeface="Arial" panose="020B0604020202020204" pitchFamily="34" charset="0"/>
+              <a:buChar char="•"/>
+            </a:pPr>
+            <a:r>
+              <a:rPr lang="en-US" sz="2800" dirty="0">
+                <a:solidFill>
+                  <a:schemeClr val="bg2">
+                    <a:lumMod val="10000"/>
+                    <a:lumOff val="90000"/>
+                  </a:schemeClr>
+                </a:solidFill>
+                <a:latin typeface="Calisto MT" panose="02040603050505030304" pitchFamily="18" charset="0"/>
+                <a:ea typeface="Calibri"/>
+                <a:cs typeface="Calibri"/>
+                <a:sym typeface="Calibri"/>
+              </a:rPr>
+              <a:t>% of consumers who prefer particular flavors of ice cream</a:t>
+            </a:r>
+          </a:p>
+        </p:txBody>
+      </p:sp>
+      <p:sp>
+        <p:nvSpPr>
+          <p:cNvPr id="7" name="TextBox 6">
+            <a:extLst>
+              <a:ext uri="{FF2B5EF4-FFF2-40B4-BE49-F238E27FC236}">
+                <a16:creationId xmlns:a16="http://schemas.microsoft.com/office/drawing/2014/main" id="{0B08B52D-37D2-4EAA-B5A0-C2AE3A8614A9}"/>
+              </a:ext>
+            </a:extLst>
+          </p:cNvPr>
+          <p:cNvSpPr txBox="1"/>
+          <p:nvPr/>
+        </p:nvSpPr>
+        <p:spPr>
+          <a:xfrm>
+            <a:off x="4538444" y="4923537"/>
+            <a:ext cx="7435077" cy="1569660"/>
+          </a:xfrm>
+          <a:prstGeom prst="rect">
+            <a:avLst/>
+          </a:prstGeom>
+          <a:noFill/>
+        </p:spPr>
+        <p:txBody>
+          <a:bodyPr wrap="square">
+            <a:spAutoFit/>
+          </a:bodyPr>
+          <a:lstStyle/>
+          <a:p>
+            <a:pPr marL="457200" indent="-457200">
+              <a:buClr>
+                <a:schemeClr val="bg2">
+                  <a:lumMod val="10000"/>
+                  <a:lumOff val="90000"/>
+                </a:schemeClr>
+              </a:buClr>
+              <a:buFont typeface="Arial" panose="020B0604020202020204" pitchFamily="34" charset="0"/>
+              <a:buChar char="•"/>
+            </a:pPr>
+            <a:r>
+              <a:rPr lang="en-US" sz="2400" b="1" dirty="0">
+                <a:solidFill>
+                  <a:schemeClr val="accent2"/>
+                </a:solidFill>
+              </a:rPr>
+              <a:t>Nominal/categorical: </a:t>
+            </a:r>
+            <a:r>
+              <a:rPr lang="en-US" sz="2400" dirty="0"/>
+              <a:t>non-ordered and qualitative</a:t>
+            </a:r>
+          </a:p>
+          <a:p>
+            <a:pPr marL="457200" indent="-457200">
+              <a:buClr>
+                <a:schemeClr val="bg2">
+                  <a:lumMod val="10000"/>
+                  <a:lumOff val="90000"/>
+                </a:schemeClr>
+              </a:buClr>
+              <a:buFont typeface="Arial" panose="020B0604020202020204" pitchFamily="34" charset="0"/>
+              <a:buChar char="•"/>
+            </a:pPr>
+            <a:r>
+              <a:rPr lang="en-US" sz="2400" b="1" dirty="0">
+                <a:solidFill>
+                  <a:schemeClr val="accent2"/>
+                </a:solidFill>
+              </a:rPr>
+              <a:t>Ordinal: </a:t>
+            </a:r>
+            <a:r>
+              <a:rPr lang="en-US" sz="2400" dirty="0"/>
+              <a:t>qualitative but ranked</a:t>
+            </a:r>
+          </a:p>
+          <a:p>
+            <a:pPr marL="457200" indent="-457200">
+              <a:buClr>
+                <a:schemeClr val="bg2">
+                  <a:lumMod val="10000"/>
+                  <a:lumOff val="90000"/>
+                </a:schemeClr>
+              </a:buClr>
+              <a:buFont typeface="Arial" panose="020B0604020202020204" pitchFamily="34" charset="0"/>
+              <a:buChar char="•"/>
+            </a:pPr>
+            <a:r>
+              <a:rPr lang="en-US" sz="2400" b="1" dirty="0">
+                <a:solidFill>
+                  <a:schemeClr val="accent2"/>
+                </a:solidFill>
+              </a:rPr>
+              <a:t>Interval: </a:t>
+            </a:r>
+            <a:r>
+              <a:rPr lang="en-US" sz="2400" dirty="0"/>
+              <a:t>Quantitative but without a true zero</a:t>
+            </a:r>
+          </a:p>
+          <a:p>
+            <a:pPr marL="457200" indent="-457200">
+              <a:buClr>
+                <a:schemeClr val="bg2">
+                  <a:lumMod val="10000"/>
+                  <a:lumOff val="90000"/>
+                </a:schemeClr>
+              </a:buClr>
+              <a:buFont typeface="Arial" panose="020B0604020202020204" pitchFamily="34" charset="0"/>
+              <a:buChar char="•"/>
+            </a:pPr>
+            <a:r>
+              <a:rPr lang="en-US" sz="2400" b="1" dirty="0">
+                <a:solidFill>
+                  <a:schemeClr val="accent2"/>
+                </a:solidFill>
+              </a:rPr>
+              <a:t>Ratio: </a:t>
+            </a:r>
+            <a:r>
+              <a:rPr lang="en-US" sz="2400" dirty="0"/>
+              <a:t>Quantitative and divisible</a:t>
+            </a:r>
+          </a:p>
+        </p:txBody>
+      </p:sp>
+    </p:spTree>
+    <p:extLst>
+      <p:ext uri="{BB962C8B-B14F-4D97-AF65-F5344CB8AC3E}">
+        <p14:creationId xmlns:p14="http://schemas.microsoft.com/office/powerpoint/2010/main" val="687627694"/>
+      </p:ext>
+    </p:extLst>
+  </p:cSld>
+  <p:clrMapOvr>
+    <a:masterClrMapping/>
+  </p:clrMapOvr>
+</p:sld>
+</file>
+
+<file path=ppt/slides/slide4.xml><?xml version="1.0" encoding="utf-8"?>
+<p:sld xmlns:a="http://schemas.openxmlformats.org/drawingml/2006/main" xmlns:r="http://schemas.openxmlformats.org/officeDocument/2006/relationships" xmlns:p="http://schemas.openxmlformats.org/presentationml/2006/main">
+  <p:cSld>
+    <p:spTree>
+      <p:nvGrpSpPr>
+        <p:cNvPr id="1" name=""/>
+        <p:cNvGrpSpPr/>
+        <p:nvPr/>
+      </p:nvGrpSpPr>
+      <p:grpSpPr>
+        <a:xfrm>
+          <a:off x="0" y="0"/>
+          <a:ext cx="0" cy="0"/>
+          <a:chOff x="0" y="0"/>
+          <a:chExt cx="0" cy="0"/>
+        </a:xfrm>
+      </p:grpSpPr>
+      <p:sp>
+        <p:nvSpPr>
+          <p:cNvPr id="6" name="TextBox 5">
+            <a:extLst>
+              <a:ext uri="{FF2B5EF4-FFF2-40B4-BE49-F238E27FC236}">
+                <a16:creationId xmlns:a16="http://schemas.microsoft.com/office/drawing/2014/main" id="{712AC8CF-13A3-4593-9053-122027377F90}"/>
+              </a:ext>
+            </a:extLst>
+          </p:cNvPr>
+          <p:cNvSpPr txBox="1"/>
+          <p:nvPr/>
+        </p:nvSpPr>
+        <p:spPr>
+          <a:xfrm>
+            <a:off x="226503" y="167780"/>
+            <a:ext cx="4367799" cy="646331"/>
+          </a:xfrm>
+          <a:prstGeom prst="rect">
+            <a:avLst/>
+          </a:prstGeom>
+          <a:noFill/>
+        </p:spPr>
+        <p:txBody>
+          <a:bodyPr wrap="none" rtlCol="0">
+            <a:spAutoFit/>
+          </a:bodyPr>
+          <a:lstStyle/>
+          <a:p>
+            <a:r>
+              <a:rPr lang="en-US" sz="3600" b="1" dirty="0"/>
+              <a:t>Descriptive statistics</a:t>
             </a:r>
           </a:p>
         </p:txBody>
@@ -8362,7 +8110,7 @@
     </p:spTree>
     <p:extLst>
       <p:ext uri="{BB962C8B-B14F-4D97-AF65-F5344CB8AC3E}">
-        <p14:creationId xmlns:p14="http://schemas.microsoft.com/office/powerpoint/2010/main" val="3926810962"/>
+        <p14:creationId xmlns:p14="http://schemas.microsoft.com/office/powerpoint/2010/main" val="2438902002"/>
       </p:ext>
     </p:extLst>
   </p:cSld>
@@ -8372,7 +8120,7 @@
 </p:sld>
 </file>
 
-<file path=ppt/slides/slide3.xml><?xml version="1.0" encoding="utf-8"?>
+<file path=ppt/slides/slide5.xml><?xml version="1.0" encoding="utf-8"?>
 <p:sld xmlns:a="http://schemas.openxmlformats.org/drawingml/2006/main" xmlns:r="http://schemas.openxmlformats.org/officeDocument/2006/relationships" xmlns:p="http://schemas.openxmlformats.org/presentationml/2006/main">
   <p:cSld>
     <p:spTree>
@@ -8439,14 +8187,14 @@
           <p:nvPr>
             <p:extLst>
               <p:ext uri="{D42A27DB-BD31-4B8C-83A1-F6EECF244321}">
-                <p14:modId xmlns:p14="http://schemas.microsoft.com/office/powerpoint/2010/main" val="2659703463"/>
+                <p14:modId xmlns:p14="http://schemas.microsoft.com/office/powerpoint/2010/main" val="1179446905"/>
               </p:ext>
             </p:extLst>
           </p:nvPr>
         </p:nvGraphicFramePr>
         <p:xfrm>
           <a:off x="1371600" y="2171324"/>
-          <a:ext cx="9609221" cy="4318481"/>
+          <a:ext cx="9609221" cy="3769841"/>
         </p:xfrm>
         <a:graphic>
           <a:graphicData uri="http://schemas.openxmlformats.org/drawingml/2006/table">
@@ -8474,12 +8222,12 @@
                     <a:bodyPr/>
                     <a:lstStyle/>
                     <a:p>
-                      <a:pPr rtl="0" fontAlgn="b"/>
+                      <a:pPr algn="r" rtl="0" fontAlgn="b"/>
                       <a:r>
-                        <a:rPr lang="en-US" dirty="0">
+                        <a:rPr lang="en-US">
                           <a:effectLst/>
                         </a:rPr>
-                        <a:t>Zero</a:t>
+                        <a:t>32</a:t>
                       </a:r>
                     </a:p>
                   </a:txBody>
@@ -8592,7 +8340,120 @@
                         <a:rPr lang="en-US">
                           <a:effectLst/>
                         </a:rPr>
-                        <a:t>14</a:t>
+                        <a:t>0</a:t>
+                      </a:r>
+                    </a:p>
+                  </a:txBody>
+                  <a:tcPr marL="28575" marR="28575" marT="19050" marB="19050" anchor="b">
+                    <a:lnL w="9525" cap="flat" cmpd="sng" algn="ctr">
+                      <a:solidFill>
+                        <a:srgbClr val="CCCCCC"/>
+                      </a:solidFill>
+                      <a:prstDash val="solid"/>
+                      <a:round/>
+                      <a:headEnd type="none" w="med" len="med"/>
+                      <a:tailEnd type="none" w="med" len="med"/>
+                    </a:lnL>
+                    <a:lnR w="9525" cap="flat" cmpd="sng" algn="ctr">
+                      <a:solidFill>
+                        <a:srgbClr val="CCCCCC"/>
+                      </a:solidFill>
+                      <a:prstDash val="solid"/>
+                      <a:round/>
+                      <a:headEnd type="none" w="med" len="med"/>
+                      <a:tailEnd type="none" w="med" len="med"/>
+                    </a:lnR>
+                    <a:lnT w="9525" cap="flat" cmpd="sng" algn="ctr">
+                      <a:solidFill>
+                        <a:srgbClr val="CCCCCC"/>
+                      </a:solidFill>
+                      <a:prstDash val="solid"/>
+                      <a:round/>
+                      <a:headEnd type="none" w="med" len="med"/>
+                      <a:tailEnd type="none" w="med" len="med"/>
+                    </a:lnT>
+                    <a:lnB w="9525" cap="flat" cmpd="sng" algn="ctr">
+                      <a:solidFill>
+                        <a:srgbClr val="CCCCCC"/>
+                      </a:solidFill>
+                      <a:prstDash val="solid"/>
+                      <a:round/>
+                      <a:headEnd type="none" w="med" len="med"/>
+                      <a:tailEnd type="none" w="med" len="med"/>
+                    </a:lnB>
+                  </a:tcPr>
+                </a:tc>
+                <a:tc>
+                  <a:txBody>
+                    <a:bodyPr/>
+                    <a:lstStyle/>
+                    <a:p>
+                      <a:pPr rtl="0" fontAlgn="b"/>
+                      <a:r>
+                        <a:rPr lang="en-US">
+                          <a:effectLst/>
+                        </a:rPr>
+                        <a:t>0 (for now!)</a:t>
+                      </a:r>
+                    </a:p>
+                  </a:txBody>
+                  <a:tcPr marL="28575" marR="28575" marT="19050" marB="19050" anchor="b">
+                    <a:lnL w="9525" cap="flat" cmpd="sng" algn="ctr">
+                      <a:solidFill>
+                        <a:srgbClr val="CCCCCC"/>
+                      </a:solidFill>
+                      <a:prstDash val="solid"/>
+                      <a:round/>
+                      <a:headEnd type="none" w="med" len="med"/>
+                      <a:tailEnd type="none" w="med" len="med"/>
+                    </a:lnL>
+                    <a:lnR w="9525" cap="flat" cmpd="sng" algn="ctr">
+                      <a:solidFill>
+                        <a:srgbClr val="CCCCCC"/>
+                      </a:solidFill>
+                      <a:prstDash val="solid"/>
+                      <a:round/>
+                      <a:headEnd type="none" w="med" len="med"/>
+                      <a:tailEnd type="none" w="med" len="med"/>
+                    </a:lnR>
+                    <a:lnT w="9525" cap="flat" cmpd="sng" algn="ctr">
+                      <a:solidFill>
+                        <a:srgbClr val="CCCCCC"/>
+                      </a:solidFill>
+                      <a:prstDash val="solid"/>
+                      <a:round/>
+                      <a:headEnd type="none" w="med" len="med"/>
+                      <a:tailEnd type="none" w="med" len="med"/>
+                    </a:lnT>
+                    <a:lnB w="9525" cap="flat" cmpd="sng" algn="ctr">
+                      <a:solidFill>
+                        <a:srgbClr val="CCCCCC"/>
+                      </a:solidFill>
+                      <a:prstDash val="solid"/>
+                      <a:round/>
+                      <a:headEnd type="none" w="med" len="med"/>
+                      <a:tailEnd type="none" w="med" len="med"/>
+                    </a:lnB>
+                  </a:tcPr>
+                </a:tc>
+                <a:extLst>
+                  <a:ext uri="{0D108BD9-81ED-4DB2-BD59-A6C34878D82A}">
+                    <a16:rowId xmlns:a16="http://schemas.microsoft.com/office/drawing/2014/main" val="1556794946"/>
+                  </a:ext>
+                </a:extLst>
+              </a:tr>
+              <a:tr h="177429">
+                <a:tc>
+                  <a:txBody>
+                    <a:bodyPr/>
+                    <a:lstStyle/>
+                    <a:p>
+                      <a:pPr algn="r" rtl="0" fontAlgn="b"/>
+                      <a:r>
+                        <a:rPr lang="en-US">
+                          <a:effectLst/>
+                        </a:rPr>
+                        <a:t>18</a:t>
                       </a:r>
                     </a:p>
                   </a:txBody>
@@ -8645,7 +8506,7 @@
                         <a:rPr lang="en-US">
                           <a:effectLst/>
                         </a:rPr>
-                        <a:t>3</a:t>
+                        <a:t>0</a:t>
                       </a:r>
                     </a:p>
                   </a:txBody>
@@ -8690,7 +8551,120 @@
                 </a:tc>
                 <a:extLst>
                   <a:ext uri="{0D108BD9-81ED-4DB2-BD59-A6C34878D82A}">
-                    <a16:rowId xmlns:a16="http://schemas.microsoft.com/office/drawing/2014/main" val="1556794946"/>
+                    <a16:rowId xmlns:a16="http://schemas.microsoft.com/office/drawing/2014/main" val="1930336603"/>
+                  </a:ext>
+                </a:extLst>
+              </a:tr>
+              <a:tr h="333221">
+                <a:tc>
+                  <a:txBody>
+                    <a:bodyPr/>
+                    <a:lstStyle/>
+                    <a:p>
+                      <a:pPr algn="r" rtl="0" fontAlgn="b"/>
+                      <a:r>
+                        <a:rPr lang="en-US">
+                          <a:effectLst/>
+                        </a:rPr>
+                        <a:t>1</a:t>
+                      </a:r>
+                    </a:p>
+                  </a:txBody>
+                  <a:tcPr marL="28575" marR="28575" marT="19050" marB="19050" anchor="b">
+                    <a:lnL w="9525" cap="flat" cmpd="sng" algn="ctr">
+                      <a:solidFill>
+                        <a:srgbClr val="CCCCCC"/>
+                      </a:solidFill>
+                      <a:prstDash val="solid"/>
+                      <a:round/>
+                      <a:headEnd type="none" w="med" len="med"/>
+                      <a:tailEnd type="none" w="med" len="med"/>
+                    </a:lnL>
+                    <a:lnR w="9525" cap="flat" cmpd="sng" algn="ctr">
+                      <a:solidFill>
+                        <a:srgbClr val="CCCCCC"/>
+                      </a:solidFill>
+                      <a:prstDash val="solid"/>
+                      <a:round/>
+                      <a:headEnd type="none" w="med" len="med"/>
+                      <a:tailEnd type="none" w="med" len="med"/>
+                    </a:lnR>
+                    <a:lnT w="9525" cap="flat" cmpd="sng" algn="ctr">
+                      <a:solidFill>
+                        <a:srgbClr val="CCCCCC"/>
+                      </a:solidFill>
+                      <a:prstDash val="solid"/>
+                      <a:round/>
+                      <a:headEnd type="none" w="med" len="med"/>
+                      <a:tailEnd type="none" w="med" len="med"/>
+                    </a:lnT>
+                    <a:lnB w="9525" cap="flat" cmpd="sng" algn="ctr">
+                      <a:solidFill>
+                        <a:srgbClr val="CCCCCC"/>
+                      </a:solidFill>
+                      <a:prstDash val="solid"/>
+                      <a:round/>
+                      <a:headEnd type="none" w="med" len="med"/>
+                      <a:tailEnd type="none" w="med" len="med"/>
+                    </a:lnB>
+                  </a:tcPr>
+                </a:tc>
+                <a:tc>
+                  <a:txBody>
+                    <a:bodyPr/>
+                    <a:lstStyle/>
+                    <a:p>
+                      <a:pPr algn="r" rtl="0" fontAlgn="b"/>
+                      <a:r>
+                        <a:rPr lang="en-US">
+                          <a:effectLst/>
+                        </a:rPr>
+                        <a:t>0</a:t>
+                      </a:r>
+                    </a:p>
+                  </a:txBody>
+                  <a:tcPr marL="28575" marR="28575" marT="19050" marB="19050" anchor="b">
+                    <a:lnL w="9525" cap="flat" cmpd="sng" algn="ctr">
+                      <a:solidFill>
+                        <a:srgbClr val="CCCCCC"/>
+                      </a:solidFill>
+                      <a:prstDash val="solid"/>
+                      <a:round/>
+                      <a:headEnd type="none" w="med" len="med"/>
+                      <a:tailEnd type="none" w="med" len="med"/>
+                    </a:lnL>
+                    <a:lnR w="9525" cap="flat" cmpd="sng" algn="ctr">
+                      <a:solidFill>
+                        <a:srgbClr val="CCCCCC"/>
+                      </a:solidFill>
+                      <a:prstDash val="solid"/>
+                      <a:round/>
+                      <a:headEnd type="none" w="med" len="med"/>
+                      <a:tailEnd type="none" w="med" len="med"/>
+                    </a:lnR>
+                    <a:lnT w="9525" cap="flat" cmpd="sng" algn="ctr">
+                      <a:solidFill>
+                        <a:srgbClr val="CCCCCC"/>
+                      </a:solidFill>
+                      <a:prstDash val="solid"/>
+                      <a:round/>
+                      <a:headEnd type="none" w="med" len="med"/>
+                      <a:tailEnd type="none" w="med" len="med"/>
+                    </a:lnT>
+                    <a:lnB w="9525" cap="flat" cmpd="sng" algn="ctr">
+                      <a:solidFill>
+                        <a:srgbClr val="CCCCCC"/>
+                      </a:solidFill>
+                      <a:prstDash val="solid"/>
+                      <a:round/>
+                      <a:headEnd type="none" w="med" len="med"/>
+                      <a:tailEnd type="none" w="med" len="med"/>
+                    </a:lnB>
+                  </a:tcPr>
+                </a:tc>
+                <a:extLst>
+                  <a:ext uri="{0D108BD9-81ED-4DB2-BD59-A6C34878D82A}">
+                    <a16:rowId xmlns:a16="http://schemas.microsoft.com/office/drawing/2014/main" val="1240605941"/>
                   </a:ext>
                 </a:extLst>
               </a:tr>
@@ -8803,22 +8777,22 @@
                 </a:tc>
                 <a:extLst>
                   <a:ext uri="{0D108BD9-81ED-4DB2-BD59-A6C34878D82A}">
-                    <a16:rowId xmlns:a16="http://schemas.microsoft.com/office/drawing/2014/main" val="1930336603"/>
+                    <a16:rowId xmlns:a16="http://schemas.microsoft.com/office/drawing/2014/main" val="3605336813"/>
                   </a:ext>
                 </a:extLst>
               </a:tr>
-              <a:tr h="333221">
+              <a:tr h="177429">
                 <a:tc>
                   <a:txBody>
                     <a:bodyPr/>
                     <a:lstStyle/>
                     <a:p>
-                      <a:pPr rtl="0" fontAlgn="b"/>
+                      <a:pPr algn="r" rtl="0" fontAlgn="b"/>
                       <a:r>
                         <a:rPr lang="en-US">
                           <a:effectLst/>
                         </a:rPr>
-                        <a:t>Zero, big events aren't really my thing</a:t>
+                        <a:t>4</a:t>
                       </a:r>
                     </a:p>
                   </a:txBody>
@@ -8916,7 +8890,7 @@
                 </a:tc>
                 <a:extLst>
                   <a:ext uri="{0D108BD9-81ED-4DB2-BD59-A6C34878D82A}">
-                    <a16:rowId xmlns:a16="http://schemas.microsoft.com/office/drawing/2014/main" val="1240605941"/>
+                    <a16:rowId xmlns:a16="http://schemas.microsoft.com/office/drawing/2014/main" val="1866230879"/>
                   </a:ext>
                 </a:extLst>
               </a:tr>
@@ -8931,7 +8905,7 @@
                         <a:rPr lang="en-US">
                           <a:effectLst/>
                         </a:rPr>
-                        <a:t>3</a:t>
+                        <a:t>0</a:t>
                       </a:r>
                     </a:p>
                   </a:txBody>
@@ -8984,233 +8958,7 @@
                         <a:rPr lang="en-US">
                           <a:effectLst/>
                         </a:rPr>
-                        <a:t>2</a:t>
-                      </a:r>
-                    </a:p>
-                  </a:txBody>
-                  <a:tcPr marL="28575" marR="28575" marT="19050" marB="19050" anchor="b">
-                    <a:lnL w="9525" cap="flat" cmpd="sng" algn="ctr">
-                      <a:solidFill>
-                        <a:srgbClr val="CCCCCC"/>
-                      </a:solidFill>
-                      <a:prstDash val="solid"/>
-                      <a:round/>
-                      <a:headEnd type="none" w="med" len="med"/>
-                      <a:tailEnd type="none" w="med" len="med"/>
-                    </a:lnL>
-                    <a:lnR w="9525" cap="flat" cmpd="sng" algn="ctr">
-                      <a:solidFill>
-                        <a:srgbClr val="CCCCCC"/>
-                      </a:solidFill>
-                      <a:prstDash val="solid"/>
-                      <a:round/>
-                      <a:headEnd type="none" w="med" len="med"/>
-                      <a:tailEnd type="none" w="med" len="med"/>
-                    </a:lnR>
-                    <a:lnT w="9525" cap="flat" cmpd="sng" algn="ctr">
-                      <a:solidFill>
-                        <a:srgbClr val="CCCCCC"/>
-                      </a:solidFill>
-                      <a:prstDash val="solid"/>
-                      <a:round/>
-                      <a:headEnd type="none" w="med" len="med"/>
-                      <a:tailEnd type="none" w="med" len="med"/>
-                    </a:lnT>
-                    <a:lnB w="9525" cap="flat" cmpd="sng" algn="ctr">
-                      <a:solidFill>
-                        <a:srgbClr val="CCCCCC"/>
-                      </a:solidFill>
-                      <a:prstDash val="solid"/>
-                      <a:round/>
-                      <a:headEnd type="none" w="med" len="med"/>
-                      <a:tailEnd type="none" w="med" len="med"/>
-                    </a:lnB>
-                  </a:tcPr>
-                </a:tc>
-                <a:extLst>
-                  <a:ext uri="{0D108BD9-81ED-4DB2-BD59-A6C34878D82A}">
-                    <a16:rowId xmlns:a16="http://schemas.microsoft.com/office/drawing/2014/main" val="3605336813"/>
-                  </a:ext>
-                </a:extLst>
-              </a:tr>
-              <a:tr h="177429">
-                <a:tc>
-                  <a:txBody>
-                    <a:bodyPr/>
-                    <a:lstStyle/>
-                    <a:p>
-                      <a:pPr algn="r" rtl="0" fontAlgn="b"/>
-                      <a:r>
-                        <a:rPr lang="en-US">
-                          <a:effectLst/>
-                        </a:rPr>
-                        <a:t>13</a:t>
-                      </a:r>
-                    </a:p>
-                  </a:txBody>
-                  <a:tcPr marL="28575" marR="28575" marT="19050" marB="19050" anchor="b">
-                    <a:lnL w="9525" cap="flat" cmpd="sng" algn="ctr">
-                      <a:solidFill>
-                        <a:srgbClr val="CCCCCC"/>
-                      </a:solidFill>
-                      <a:prstDash val="solid"/>
-                      <a:round/>
-                      <a:headEnd type="none" w="med" len="med"/>
-                      <a:tailEnd type="none" w="med" len="med"/>
-                    </a:lnL>
-                    <a:lnR w="9525" cap="flat" cmpd="sng" algn="ctr">
-                      <a:solidFill>
-                        <a:srgbClr val="CCCCCC"/>
-                      </a:solidFill>
-                      <a:prstDash val="solid"/>
-                      <a:round/>
-                      <a:headEnd type="none" w="med" len="med"/>
-                      <a:tailEnd type="none" w="med" len="med"/>
-                    </a:lnR>
-                    <a:lnT w="9525" cap="flat" cmpd="sng" algn="ctr">
-                      <a:solidFill>
-                        <a:srgbClr val="CCCCCC"/>
-                      </a:solidFill>
-                      <a:prstDash val="solid"/>
-                      <a:round/>
-                      <a:headEnd type="none" w="med" len="med"/>
-                      <a:tailEnd type="none" w="med" len="med"/>
-                    </a:lnT>
-                    <a:lnB w="9525" cap="flat" cmpd="sng" algn="ctr">
-                      <a:solidFill>
-                        <a:srgbClr val="CCCCCC"/>
-                      </a:solidFill>
-                      <a:prstDash val="solid"/>
-                      <a:round/>
-                      <a:headEnd type="none" w="med" len="med"/>
-                      <a:tailEnd type="none" w="med" len="med"/>
-                    </a:lnB>
-                  </a:tcPr>
-                </a:tc>
-                <a:tc>
-                  <a:txBody>
-                    <a:bodyPr/>
-                    <a:lstStyle/>
-                    <a:p>
-                      <a:pPr rtl="0" fontAlgn="b"/>
-                      <a:r>
-                        <a:rPr lang="en-US">
-                          <a:effectLst/>
-                        </a:rPr>
-                        <a:t>Maybe 10? I've never stayed a whole game even though I've been at UGA for six years. It's always way too hot for me!</a:t>
-                      </a:r>
-                    </a:p>
-                  </a:txBody>
-                  <a:tcPr marL="28575" marR="28575" marT="19050" marB="19050" anchor="b">
-                    <a:lnL w="9525" cap="flat" cmpd="sng" algn="ctr">
-                      <a:solidFill>
-                        <a:srgbClr val="CCCCCC"/>
-                      </a:solidFill>
-                      <a:prstDash val="solid"/>
-                      <a:round/>
-                      <a:headEnd type="none" w="med" len="med"/>
-                      <a:tailEnd type="none" w="med" len="med"/>
-                    </a:lnL>
-                    <a:lnR w="9525" cap="flat" cmpd="sng" algn="ctr">
-                      <a:solidFill>
-                        <a:srgbClr val="CCCCCC"/>
-                      </a:solidFill>
-                      <a:prstDash val="solid"/>
-                      <a:round/>
-                      <a:headEnd type="none" w="med" len="med"/>
-                      <a:tailEnd type="none" w="med" len="med"/>
-                    </a:lnR>
-                    <a:lnT w="9525" cap="flat" cmpd="sng" algn="ctr">
-                      <a:solidFill>
-                        <a:srgbClr val="CCCCCC"/>
-                      </a:solidFill>
-                      <a:prstDash val="solid"/>
-                      <a:round/>
-                      <a:headEnd type="none" w="med" len="med"/>
-                      <a:tailEnd type="none" w="med" len="med"/>
-                    </a:lnT>
-                    <a:lnB w="9525" cap="flat" cmpd="sng" algn="ctr">
-                      <a:solidFill>
-                        <a:srgbClr val="CCCCCC"/>
-                      </a:solidFill>
-                      <a:prstDash val="solid"/>
-                      <a:round/>
-                      <a:headEnd type="none" w="med" len="med"/>
-                      <a:tailEnd type="none" w="med" len="med"/>
-                    </a:lnB>
-                  </a:tcPr>
-                </a:tc>
-                <a:extLst>
-                  <a:ext uri="{0D108BD9-81ED-4DB2-BD59-A6C34878D82A}">
-                    <a16:rowId xmlns:a16="http://schemas.microsoft.com/office/drawing/2014/main" val="1866230879"/>
-                  </a:ext>
-                </a:extLst>
-              </a:tr>
-              <a:tr h="177429">
-                <a:tc>
-                  <a:txBody>
-                    <a:bodyPr/>
-                    <a:lstStyle/>
-                    <a:p>
-                      <a:pPr rtl="0" fontAlgn="b"/>
-                      <a:r>
-                        <a:rPr lang="en-US">
-                          <a:effectLst/>
-                        </a:rPr>
-                        <a:t>none </a:t>
-                      </a:r>
-                    </a:p>
-                  </a:txBody>
-                  <a:tcPr marL="28575" marR="28575" marT="19050" marB="19050" anchor="b">
-                    <a:lnL w="9525" cap="flat" cmpd="sng" algn="ctr">
-                      <a:solidFill>
-                        <a:srgbClr val="CCCCCC"/>
-                      </a:solidFill>
-                      <a:prstDash val="solid"/>
-                      <a:round/>
-                      <a:headEnd type="none" w="med" len="med"/>
-                      <a:tailEnd type="none" w="med" len="med"/>
-                    </a:lnL>
-                    <a:lnR w="9525" cap="flat" cmpd="sng" algn="ctr">
-                      <a:solidFill>
-                        <a:srgbClr val="CCCCCC"/>
-                      </a:solidFill>
-                      <a:prstDash val="solid"/>
-                      <a:round/>
-                      <a:headEnd type="none" w="med" len="med"/>
-                      <a:tailEnd type="none" w="med" len="med"/>
-                    </a:lnR>
-                    <a:lnT w="9525" cap="flat" cmpd="sng" algn="ctr">
-                      <a:solidFill>
-                        <a:srgbClr val="CCCCCC"/>
-                      </a:solidFill>
-                      <a:prstDash val="solid"/>
-                      <a:round/>
-                      <a:headEnd type="none" w="med" len="med"/>
-                      <a:tailEnd type="none" w="med" len="med"/>
-                    </a:lnT>
-                    <a:lnB w="9525" cap="flat" cmpd="sng" algn="ctr">
-                      <a:solidFill>
-                        <a:srgbClr val="CCCCCC"/>
-                      </a:solidFill>
-                      <a:prstDash val="solid"/>
-                      <a:round/>
-                      <a:headEnd type="none" w="med" len="med"/>
-                      <a:tailEnd type="none" w="med" len="med"/>
-                    </a:lnB>
-                  </a:tcPr>
-                </a:tc>
-                <a:tc>
-                  <a:txBody>
-                    <a:bodyPr/>
-                    <a:lstStyle/>
-                    <a:p>
-                      <a:pPr algn="r" rtl="0" fontAlgn="b"/>
-                      <a:r>
-                        <a:rPr lang="en-US">
-                          <a:effectLst/>
-                        </a:rPr>
-                        <a:t>0</a:t>
+                        <a:t>1</a:t>
                       </a:r>
                     </a:p>
                   </a:txBody>
@@ -9270,7 +9018,7 @@
                         <a:rPr lang="en-US">
                           <a:effectLst/>
                         </a:rPr>
-                        <a:t>10</a:t>
+                        <a:t>1</a:t>
                       </a:r>
                     </a:p>
                   </a:txBody>
@@ -9323,7 +9071,7 @@
                         <a:rPr lang="en-US">
                           <a:effectLst/>
                         </a:rPr>
-                        <a:t>0</a:t>
+                        <a:t>15</a:t>
                       </a:r>
                     </a:p>
                   </a:txBody>
@@ -9378,12 +9126,12 @@
                     <a:bodyPr/>
                     <a:lstStyle/>
                     <a:p>
-                      <a:pPr rtl="0" fontAlgn="b"/>
+                      <a:pPr algn="r" rtl="0" fontAlgn="b"/>
                       <a:r>
                         <a:rPr lang="en-US">
                           <a:effectLst/>
                         </a:rPr>
-                        <a:t>Zero</a:t>
+                        <a:t>0</a:t>
                       </a:r>
                     </a:p>
                   </a:txBody>
@@ -9436,7 +9184,7 @@
                         <a:rPr lang="en-US">
                           <a:effectLst/>
                         </a:rPr>
-                        <a:t>2</a:t>
+                        <a:t>1</a:t>
                       </a:r>
                     </a:p>
                   </a:txBody>
@@ -9491,12 +9239,12 @@
                     <a:bodyPr/>
                     <a:lstStyle/>
                     <a:p>
-                      <a:pPr rtl="0" fontAlgn="b"/>
+                      <a:pPr algn="r" rtl="0" fontAlgn="b"/>
                       <a:r>
                         <a:rPr lang="en-US">
                           <a:effectLst/>
                         </a:rPr>
-                        <a:t>2 maybe? </a:t>
+                        <a:t>8</a:t>
                       </a:r>
                     </a:p>
                   </a:txBody>
@@ -9549,7 +9297,7 @@
                         <a:rPr lang="en-US">
                           <a:effectLst/>
                         </a:rPr>
-                        <a:t>11</a:t>
+                        <a:t>1</a:t>
                       </a:r>
                     </a:p>
                   </a:txBody>
@@ -9604,12 +9352,12 @@
                     <a:bodyPr/>
                     <a:lstStyle/>
                     <a:p>
-                      <a:pPr rtl="0" fontAlgn="b"/>
+                      <a:pPr algn="r" rtl="0" fontAlgn="b"/>
                       <a:r>
                         <a:rPr lang="en-US">
                           <a:effectLst/>
                         </a:rPr>
-                        <a:t>0 (I know less than nothing about sportsball)</a:t>
+                        <a:t>0</a:t>
                       </a:r>
                     </a:p>
                   </a:txBody>
@@ -9657,13 +9405,10 @@
                     <a:bodyPr/>
                     <a:lstStyle/>
                     <a:p>
-                      <a:pPr rtl="0" fontAlgn="b"/>
-                      <a:r>
-                        <a:rPr lang="en-US">
-                          <a:effectLst/>
-                        </a:rPr>
-                        <a:t>About 6 or 7 </a:t>
-                      </a:r>
+                      <a:pPr algn="r" rtl="0" fontAlgn="b"/>
+                      <a:endParaRPr lang="en-US" dirty="0">
+                        <a:effectLst/>
+                      </a:endParaRPr>
                     </a:p>
                   </a:txBody>
                   <a:tcPr marL="28575" marR="28575" marT="19050" marB="19050" anchor="b">
@@ -9717,12 +9462,12 @@
                     <a:bodyPr/>
                     <a:lstStyle/>
                     <a:p>
-                      <a:pPr algn="r" rtl="0" fontAlgn="b"/>
+                      <a:pPr rtl="0" fontAlgn="b"/>
                       <a:r>
                         <a:rPr lang="en-US">
                           <a:effectLst/>
                         </a:rPr>
-                        <a:t>0</a:t>
+                        <a:t>9 Football Games</a:t>
                       </a:r>
                     </a:p>
                   </a:txBody>
@@ -9838,7 +9583,7 @@
 </p:sld>
 </file>
 
-<file path=ppt/slides/slide4.xml><?xml version="1.0" encoding="utf-8"?>
+<file path=ppt/slides/slide6.xml><?xml version="1.0" encoding="utf-8"?>
 <p:sld xmlns:a="http://schemas.openxmlformats.org/drawingml/2006/main" xmlns:r="http://schemas.openxmlformats.org/officeDocument/2006/relationships" xmlns:p="http://schemas.openxmlformats.org/presentationml/2006/main">
   <p:cSld>
     <p:spTree>
@@ -9956,7 +9701,7 @@
 </p:sld>
 </file>
 
-<file path=ppt/slides/slide5.xml><?xml version="1.0" encoding="utf-8"?>
+<file path=ppt/slides/slide7.xml><?xml version="1.0" encoding="utf-8"?>
 <p:sld xmlns:a="http://schemas.openxmlformats.org/drawingml/2006/main" xmlns:r="http://schemas.openxmlformats.org/officeDocument/2006/relationships" xmlns:p="http://schemas.openxmlformats.org/presentationml/2006/main">
   <p:cSld>
     <p:spTree>
@@ -10008,8 +9753,8 @@
           </a:p>
         </p:txBody>
       </p:sp>
-      <mc:AlternateContent xmlns:mc="http://schemas.openxmlformats.org/markup-compatibility/2006" xmlns:a14="http://schemas.microsoft.com/office/drawing/2010/main">
-        <mc:Choice Requires="a14">
+      <mc:AlternateContent xmlns:mc="http://schemas.openxmlformats.org/markup-compatibility/2006">
+        <mc:Choice xmlns:a14="http://schemas.microsoft.com/office/drawing/2010/main" Requires="a14">
           <p:sp>
             <p:nvSpPr>
               <p:cNvPr id="5" name="TextBox 4">
@@ -10145,7 +9890,7 @@
             </p:txBody>
           </p:sp>
         </mc:Choice>
-        <mc:Fallback xmlns="">
+        <mc:Fallback>
           <p:sp>
             <p:nvSpPr>
               <p:cNvPr id="5" name="TextBox 4">
@@ -10236,7 +9981,7 @@
     </p:spTree>
     <p:extLst>
       <p:ext uri="{BB962C8B-B14F-4D97-AF65-F5344CB8AC3E}">
-        <p14:creationId xmlns:p14="http://schemas.microsoft.com/office/powerpoint/2010/main" val="2533543868"/>
+        <p14:creationId xmlns:p14="http://schemas.microsoft.com/office/powerpoint/2010/main" val="3134892870"/>
       </p:ext>
     </p:extLst>
   </p:cSld>
@@ -10332,7 +10077,7 @@
 </p:sld>
 </file>
 
-<file path=ppt/slides/slide6.xml><?xml version="1.0" encoding="utf-8"?>
+<file path=ppt/slides/slide8.xml><?xml version="1.0" encoding="utf-8"?>
 <p:sld xmlns:a="http://schemas.openxmlformats.org/drawingml/2006/main" xmlns:r="http://schemas.openxmlformats.org/officeDocument/2006/relationships" xmlns:p="http://schemas.openxmlformats.org/presentationml/2006/main">
   <p:cSld>
     <p:spTree>
@@ -10458,7 +10203,7 @@
                 <a:cs typeface="Calibri"/>
                 <a:sym typeface="Calibri"/>
               </a:rPr>
-              <a:t> data we will use in lab 1 and calculate the mean, standard deviation (</a:t>
+              <a:t> data we will use in lab 1 and calculate the mean, median, standard deviation (</a:t>
             </a:r>
             <a:r>
               <a:rPr lang="en-US" sz="3200" dirty="0" err="1">
@@ -10765,12 +10510,12 @@
 </p:sld>
 </file>
 
-<file path=ppt/slides/slide7.xml><?xml version="1.0" encoding="utf-8"?>
+<file path=ppt/slides/slide9.xml><?xml version="1.0" encoding="utf-8"?>
 <p:sld xmlns:a="http://schemas.openxmlformats.org/drawingml/2006/main" xmlns:r="http://schemas.openxmlformats.org/officeDocument/2006/relationships" xmlns:p="http://schemas.openxmlformats.org/presentationml/2006/main">
   <p:cSld>
     <p:spTree>
       <p:nvGrpSpPr>
-        <p:cNvPr id="1" name="Shape 118"/>
+        <p:cNvPr id="1" name=""/>
         <p:cNvGrpSpPr/>
         <p:nvPr/>
       </p:nvGrpSpPr>
@@ -10784,10 +10529,10 @@
       </p:grpSpPr>
       <p:sp>
         <p:nvSpPr>
-          <p:cNvPr id="11" name="Shape 120">
+          <p:cNvPr id="8" name="Shape 306">
             <a:extLst>
               <a:ext uri="{FF2B5EF4-FFF2-40B4-BE49-F238E27FC236}">
-                <a16:creationId xmlns:a16="http://schemas.microsoft.com/office/drawing/2014/main" id="{40EC573B-C7E2-4CA8-8C16-EB7E1E421CDE}"/>
+                <a16:creationId xmlns:a16="http://schemas.microsoft.com/office/drawing/2014/main" id="{51D852A2-68CA-4C50-B054-D5F3B086FC32}"/>
               </a:ext>
             </a:extLst>
           </p:cNvPr>
@@ -10796,8 +10541,8 @@
         </p:nvSpPr>
         <p:spPr>
           <a:xfrm>
-            <a:off x="307652" y="164839"/>
-            <a:ext cx="9255798" cy="707886"/>
+            <a:off x="361148" y="335560"/>
+            <a:ext cx="10611651" cy="707886"/>
           </a:xfrm>
           <a:prstGeom prst="rect">
             <a:avLst/>
@@ -10813,70 +10558,30 @@
           </a:bodyPr>
           <a:lstStyle/>
           <a:p>
-            <a:pPr>
+            <a:pPr marL="0" marR="0" lvl="0" indent="0" algn="l" rtl="0">
+              <a:spcBef>
+                <a:spcPts val="0"/>
+              </a:spcBef>
               <a:buSzPct val="25000"/>
+              <a:buNone/>
             </a:pPr>
             <a:r>
               <a:rPr lang="en-US" sz="4000" b="1" dirty="0">
-                <a:solidFill>
-                  <a:schemeClr val="tx1">
-                    <a:lumMod val="85000"/>
-                    <a:lumOff val="15000"/>
-                  </a:schemeClr>
-                </a:solidFill>
                 <a:ea typeface="Calibri"/>
                 <a:cs typeface="Calibri"/>
                 <a:sym typeface="Calibri"/>
               </a:rPr>
-              <a:t>Descriptive stats in action: </a:t>
-            </a:r>
-          </a:p>
-          <a:p>
-            <a:pPr>
-              <a:buSzPct val="25000"/>
-            </a:pPr>
-            <a:r>
-              <a:rPr lang="en-US" sz="2800" dirty="0">
-                <a:solidFill>
-                  <a:schemeClr val="tx1">
-                    <a:lumMod val="85000"/>
-                    <a:lumOff val="15000"/>
-                  </a:schemeClr>
-                </a:solidFill>
-                <a:ea typeface="Calibri"/>
-                <a:cs typeface="Calibri"/>
-                <a:sym typeface="Calibri"/>
-              </a:rPr>
-              <a:t>What’s a “low education county?”</a:t>
-            </a:r>
-          </a:p>
-          <a:p>
-            <a:pPr>
-              <a:buSzPct val="25000"/>
-            </a:pPr>
-            <a:r>
-              <a:rPr lang="en-US" sz="2800" dirty="0">
-                <a:solidFill>
-                  <a:schemeClr val="tx1">
-                    <a:lumMod val="85000"/>
-                    <a:lumOff val="15000"/>
-                  </a:schemeClr>
-                </a:solidFill>
-                <a:ea typeface="Calibri"/>
-                <a:cs typeface="Calibri"/>
-                <a:sym typeface="Calibri"/>
-              </a:rPr>
-              <a:t>Use our census education variables</a:t>
+              <a:t>What is exploratory data analysis?</a:t>
             </a:r>
           </a:p>
         </p:txBody>
       </p:sp>
       <p:pic>
         <p:nvPicPr>
-          <p:cNvPr id="12" name="Picture 11">
+          <p:cNvPr id="6" name="Picture 5">
             <a:extLst>
               <a:ext uri="{FF2B5EF4-FFF2-40B4-BE49-F238E27FC236}">
-                <a16:creationId xmlns:a16="http://schemas.microsoft.com/office/drawing/2014/main" id="{812E53A6-75E8-4F9C-9A43-E95352BBD50A}"/>
+                <a16:creationId xmlns:a16="http://schemas.microsoft.com/office/drawing/2014/main" id="{556F97FE-5ADE-4E57-B950-C25938D7A490}"/>
               </a:ext>
             </a:extLst>
           </p:cNvPr>
@@ -10886,21 +10591,15 @@
           <p:nvPr/>
         </p:nvPicPr>
         <p:blipFill>
-          <a:blip r:embed="rId3">
-            <a:extLst>
-              <a:ext uri="{28A0092B-C50C-407E-A947-70E740481C1C}">
-                <a14:useLocalDpi xmlns:a14="http://schemas.microsoft.com/office/drawing/2010/main" val="0"/>
-              </a:ext>
-            </a:extLst>
-          </a:blip>
+          <a:blip r:embed="rId2"/>
           <a:stretch>
             <a:fillRect/>
           </a:stretch>
         </p:blipFill>
         <p:spPr>
           <a:xfrm>
-            <a:off x="2241821" y="1833626"/>
-            <a:ext cx="7708358" cy="4926646"/>
+            <a:off x="2622129" y="1183436"/>
+            <a:ext cx="6947742" cy="5551800"/>
           </a:xfrm>
           <a:prstGeom prst="rect">
             <a:avLst/>
@@ -10910,431 +10609,7 @@
     </p:spTree>
     <p:extLst>
       <p:ext uri="{BB962C8B-B14F-4D97-AF65-F5344CB8AC3E}">
-        <p14:creationId xmlns:p14="http://schemas.microsoft.com/office/powerpoint/2010/main" val="771564063"/>
-      </p:ext>
-    </p:extLst>
-  </p:cSld>
-  <p:clrMapOvr>
-    <a:masterClrMapping/>
-  </p:clrMapOvr>
-</p:sld>
-</file>
-
-<file path=ppt/slides/slide8.xml><?xml version="1.0" encoding="utf-8"?>
-<p:sld xmlns:a="http://schemas.openxmlformats.org/drawingml/2006/main" xmlns:r="http://schemas.openxmlformats.org/officeDocument/2006/relationships" xmlns:p="http://schemas.openxmlformats.org/presentationml/2006/main">
-  <p:cSld>
-    <p:spTree>
-      <p:nvGrpSpPr>
-        <p:cNvPr id="1" name="Shape 118"/>
-        <p:cNvGrpSpPr/>
-        <p:nvPr/>
-      </p:nvGrpSpPr>
-      <p:grpSpPr>
-        <a:xfrm>
-          <a:off x="0" y="0"/>
-          <a:ext cx="0" cy="0"/>
-          <a:chOff x="0" y="0"/>
-          <a:chExt cx="0" cy="0"/>
-        </a:xfrm>
-      </p:grpSpPr>
-      <p:sp>
-        <p:nvSpPr>
-          <p:cNvPr id="11" name="Shape 120">
-            <a:extLst>
-              <a:ext uri="{FF2B5EF4-FFF2-40B4-BE49-F238E27FC236}">
-                <a16:creationId xmlns:a16="http://schemas.microsoft.com/office/drawing/2014/main" id="{40EC573B-C7E2-4CA8-8C16-EB7E1E421CDE}"/>
-              </a:ext>
-            </a:extLst>
-          </p:cNvPr>
-          <p:cNvSpPr txBox="1"/>
-          <p:nvPr/>
-        </p:nvSpPr>
-        <p:spPr>
-          <a:xfrm>
-            <a:off x="307652" y="164839"/>
-            <a:ext cx="9255798" cy="707886"/>
-          </a:xfrm>
-          <a:prstGeom prst="rect">
-            <a:avLst/>
-          </a:prstGeom>
-          <a:noFill/>
-          <a:ln>
-            <a:noFill/>
-          </a:ln>
-        </p:spPr>
-        <p:txBody>
-          <a:bodyPr lIns="91425" tIns="45700" rIns="91425" bIns="45700" anchor="t" anchorCtr="0">
-            <a:noAutofit/>
-          </a:bodyPr>
-          <a:lstStyle/>
-          <a:p>
-            <a:pPr>
-              <a:buSzPct val="25000"/>
-            </a:pPr>
-            <a:r>
-              <a:rPr lang="en-US" sz="4000" b="1" dirty="0">
-                <a:solidFill>
-                  <a:schemeClr val="tx1">
-                    <a:lumMod val="85000"/>
-                    <a:lumOff val="15000"/>
-                  </a:schemeClr>
-                </a:solidFill>
-                <a:ea typeface="Calibri"/>
-                <a:cs typeface="Calibri"/>
-                <a:sym typeface="Calibri"/>
-              </a:rPr>
-              <a:t>How could we decide?</a:t>
-            </a:r>
-          </a:p>
-        </p:txBody>
-      </p:sp>
-      <p:sp>
-        <p:nvSpPr>
-          <p:cNvPr id="3" name="Rectangle 2">
-            <a:extLst>
-              <a:ext uri="{FF2B5EF4-FFF2-40B4-BE49-F238E27FC236}">
-                <a16:creationId xmlns:a16="http://schemas.microsoft.com/office/drawing/2014/main" id="{C0B0F76B-2B24-44D4-9139-AE2D920659AB}"/>
-              </a:ext>
-            </a:extLst>
-          </p:cNvPr>
-          <p:cNvSpPr/>
-          <p:nvPr/>
-        </p:nvSpPr>
-        <p:spPr>
-          <a:xfrm>
-            <a:off x="827869" y="1054808"/>
-            <a:ext cx="9079858" cy="1569660"/>
-          </a:xfrm>
-          <a:prstGeom prst="rect">
-            <a:avLst/>
-          </a:prstGeom>
-        </p:spPr>
-        <p:txBody>
-          <a:bodyPr wrap="none">
-            <a:spAutoFit/>
-          </a:bodyPr>
-          <a:lstStyle/>
-          <a:p>
-            <a:pPr>
-              <a:buSzPct val="25000"/>
-            </a:pPr>
-            <a:r>
-              <a:rPr lang="en-US" sz="3200" dirty="0">
-                <a:ea typeface="Calibri"/>
-                <a:cs typeface="Calibri"/>
-                <a:sym typeface="Calibri"/>
-              </a:rPr>
-              <a:t>Based off the data/Relative measure</a:t>
-            </a:r>
-          </a:p>
-          <a:p>
-            <a:pPr marL="457200" indent="-457200">
-              <a:buSzPct val="100000"/>
-              <a:buFont typeface="Arial" panose="020B0604020202020204" pitchFamily="34" charset="0"/>
-              <a:buChar char="•"/>
-            </a:pPr>
-            <a:r>
-              <a:rPr lang="en-US" sz="3200" dirty="0">
-                <a:ea typeface="Calibri"/>
-                <a:cs typeface="Calibri"/>
-                <a:sym typeface="Calibri"/>
-              </a:rPr>
-              <a:t>How many standard deviations below the mean?</a:t>
-            </a:r>
-          </a:p>
-          <a:p>
-            <a:pPr marL="457200" indent="-457200">
-              <a:buSzPct val="100000"/>
-              <a:buFont typeface="Arial" panose="020B0604020202020204" pitchFamily="34" charset="0"/>
-              <a:buChar char="•"/>
-            </a:pPr>
-            <a:r>
-              <a:rPr lang="en-US" sz="3200" dirty="0">
-                <a:ea typeface="Calibri"/>
-                <a:cs typeface="Calibri"/>
-                <a:sym typeface="Calibri"/>
-              </a:rPr>
-              <a:t>What percentile of all counties?</a:t>
-            </a:r>
-          </a:p>
-        </p:txBody>
-      </p:sp>
-      <p:sp>
-        <p:nvSpPr>
-          <p:cNvPr id="6" name="Rectangle 5">
-            <a:extLst>
-              <a:ext uri="{FF2B5EF4-FFF2-40B4-BE49-F238E27FC236}">
-                <a16:creationId xmlns:a16="http://schemas.microsoft.com/office/drawing/2014/main" id="{9189733B-B71E-46A0-A649-8453899A5259}"/>
-              </a:ext>
-            </a:extLst>
-          </p:cNvPr>
-          <p:cNvSpPr/>
-          <p:nvPr/>
-        </p:nvSpPr>
-        <p:spPr>
-          <a:xfrm>
-            <a:off x="827869" y="2806551"/>
-            <a:ext cx="10614713" cy="2554545"/>
-          </a:xfrm>
-          <a:prstGeom prst="rect">
-            <a:avLst/>
-          </a:prstGeom>
-        </p:spPr>
-        <p:txBody>
-          <a:bodyPr wrap="square">
-            <a:spAutoFit/>
-          </a:bodyPr>
-          <a:lstStyle/>
-          <a:p>
-            <a:pPr>
-              <a:buSzPct val="25000"/>
-            </a:pPr>
-            <a:r>
-              <a:rPr lang="en-US" sz="3200" dirty="0">
-                <a:ea typeface="Calibri"/>
-                <a:cs typeface="Calibri"/>
-                <a:sym typeface="Calibri"/>
-              </a:rPr>
-              <a:t>Based off the research/Absolute measure</a:t>
-            </a:r>
-          </a:p>
-          <a:p>
-            <a:pPr marL="457200" indent="-457200">
-              <a:buSzPct val="100000"/>
-              <a:buFont typeface="Arial" panose="020B0604020202020204" pitchFamily="34" charset="0"/>
-              <a:buChar char="•"/>
-            </a:pPr>
-            <a:r>
-              <a:rPr lang="en-US" sz="3200" dirty="0">
-                <a:ea typeface="Calibri"/>
-                <a:cs typeface="Calibri"/>
-                <a:sym typeface="Calibri"/>
-              </a:rPr>
-              <a:t>What’s the average of a larger area (e.g., national/international)?</a:t>
-            </a:r>
-          </a:p>
-          <a:p>
-            <a:pPr marL="457200" indent="-457200">
-              <a:buSzPct val="100000"/>
-              <a:buFont typeface="Arial" panose="020B0604020202020204" pitchFamily="34" charset="0"/>
-              <a:buChar char="•"/>
-            </a:pPr>
-            <a:r>
-              <a:rPr lang="en-US" sz="3200" dirty="0">
-                <a:ea typeface="Calibri"/>
-                <a:cs typeface="Calibri"/>
-                <a:sym typeface="Calibri"/>
-              </a:rPr>
-              <a:t>What are the recommendations of experts in the field (e.g., Department of Education, past research)?</a:t>
-            </a:r>
-          </a:p>
-        </p:txBody>
-      </p:sp>
-    </p:spTree>
-    <p:extLst>
-      <p:ext uri="{BB962C8B-B14F-4D97-AF65-F5344CB8AC3E}">
-        <p14:creationId xmlns:p14="http://schemas.microsoft.com/office/powerpoint/2010/main" val="2724203357"/>
-      </p:ext>
-    </p:extLst>
-  </p:cSld>
-  <p:clrMapOvr>
-    <a:masterClrMapping/>
-  </p:clrMapOvr>
-</p:sld>
-</file>
-
-<file path=ppt/slides/slide9.xml><?xml version="1.0" encoding="utf-8"?>
-<p:sld xmlns:a="http://schemas.openxmlformats.org/drawingml/2006/main" xmlns:r="http://schemas.openxmlformats.org/officeDocument/2006/relationships" xmlns:p="http://schemas.openxmlformats.org/presentationml/2006/main">
-  <p:cSld>
-    <p:spTree>
-      <p:nvGrpSpPr>
-        <p:cNvPr id="1" name="Shape 118"/>
-        <p:cNvGrpSpPr/>
-        <p:nvPr/>
-      </p:nvGrpSpPr>
-      <p:grpSpPr>
-        <a:xfrm>
-          <a:off x="0" y="0"/>
-          <a:ext cx="0" cy="0"/>
-          <a:chOff x="0" y="0"/>
-          <a:chExt cx="0" cy="0"/>
-        </a:xfrm>
-      </p:grpSpPr>
-      <p:sp>
-        <p:nvSpPr>
-          <p:cNvPr id="11" name="Shape 120">
-            <a:extLst>
-              <a:ext uri="{FF2B5EF4-FFF2-40B4-BE49-F238E27FC236}">
-                <a16:creationId xmlns:a16="http://schemas.microsoft.com/office/drawing/2014/main" id="{40EC573B-C7E2-4CA8-8C16-EB7E1E421CDE}"/>
-              </a:ext>
-            </a:extLst>
-          </p:cNvPr>
-          <p:cNvSpPr txBox="1"/>
-          <p:nvPr/>
-        </p:nvSpPr>
-        <p:spPr>
-          <a:xfrm>
-            <a:off x="307652" y="164839"/>
-            <a:ext cx="9255798" cy="707886"/>
-          </a:xfrm>
-          <a:prstGeom prst="rect">
-            <a:avLst/>
-          </a:prstGeom>
-          <a:noFill/>
-          <a:ln>
-            <a:noFill/>
-          </a:ln>
-        </p:spPr>
-        <p:txBody>
-          <a:bodyPr lIns="91425" tIns="45700" rIns="91425" bIns="45700" anchor="t" anchorCtr="0">
-            <a:noAutofit/>
-          </a:bodyPr>
-          <a:lstStyle/>
-          <a:p>
-            <a:pPr>
-              <a:buSzPct val="25000"/>
-            </a:pPr>
-            <a:r>
-              <a:rPr lang="en-US" sz="4000" b="1" dirty="0">
-                <a:solidFill>
-                  <a:schemeClr val="tx1">
-                    <a:lumMod val="85000"/>
-                    <a:lumOff val="15000"/>
-                  </a:schemeClr>
-                </a:solidFill>
-                <a:ea typeface="Calibri"/>
-                <a:cs typeface="Calibri"/>
-                <a:sym typeface="Calibri"/>
-              </a:rPr>
-              <a:t>Some useful Excel functions</a:t>
-            </a:r>
-          </a:p>
-        </p:txBody>
-      </p:sp>
-      <p:sp>
-        <p:nvSpPr>
-          <p:cNvPr id="3" name="Rectangle 2">
-            <a:extLst>
-              <a:ext uri="{FF2B5EF4-FFF2-40B4-BE49-F238E27FC236}">
-                <a16:creationId xmlns:a16="http://schemas.microsoft.com/office/drawing/2014/main" id="{C0B0F76B-2B24-44D4-9139-AE2D920659AB}"/>
-              </a:ext>
-            </a:extLst>
-          </p:cNvPr>
-          <p:cNvSpPr/>
-          <p:nvPr/>
-        </p:nvSpPr>
-        <p:spPr>
-          <a:xfrm>
-            <a:off x="827869" y="1054808"/>
-            <a:ext cx="10014408" cy="3046988"/>
-          </a:xfrm>
-          <a:prstGeom prst="rect">
-            <a:avLst/>
-          </a:prstGeom>
-        </p:spPr>
-        <p:txBody>
-          <a:bodyPr wrap="none">
-            <a:spAutoFit/>
-          </a:bodyPr>
-          <a:lstStyle/>
-          <a:p>
-            <a:pPr marL="457200" indent="-457200">
-              <a:buSzPct val="100000"/>
-              <a:buFont typeface="Arial" panose="020B0604020202020204" pitchFamily="34" charset="0"/>
-              <a:buChar char="•"/>
-            </a:pPr>
-            <a:r>
-              <a:rPr lang="en-US" sz="3200" dirty="0">
-                <a:ea typeface="Calibri"/>
-                <a:cs typeface="Calibri"/>
-                <a:sym typeface="Calibri"/>
-              </a:rPr>
-              <a:t>Average (mean)</a:t>
-            </a:r>
-          </a:p>
-          <a:p>
-            <a:pPr marL="457200" indent="-457200">
-              <a:buSzPct val="100000"/>
-              <a:buFont typeface="Arial" panose="020B0604020202020204" pitchFamily="34" charset="0"/>
-              <a:buChar char="•"/>
-            </a:pPr>
-            <a:r>
-              <a:rPr lang="en-US" sz="3200" dirty="0">
-                <a:ea typeface="Calibri"/>
-                <a:cs typeface="Calibri"/>
-                <a:sym typeface="Calibri"/>
-              </a:rPr>
-              <a:t>Median</a:t>
-            </a:r>
-          </a:p>
-          <a:p>
-            <a:pPr marL="457200" indent="-457200">
-              <a:buSzPct val="100000"/>
-              <a:buFont typeface="Arial" panose="020B0604020202020204" pitchFamily="34" charset="0"/>
-              <a:buChar char="•"/>
-            </a:pPr>
-            <a:r>
-              <a:rPr lang="en-US" sz="3200" dirty="0">
-                <a:ea typeface="Calibri"/>
-                <a:cs typeface="Calibri"/>
-                <a:sym typeface="Calibri"/>
-              </a:rPr>
-              <a:t>Quartile (choose which quartile: 1=25%, 2=50%, etc.)</a:t>
-            </a:r>
-          </a:p>
-          <a:p>
-            <a:pPr marL="457200" indent="-457200">
-              <a:buSzPct val="100000"/>
-              <a:buFont typeface="Arial" panose="020B0604020202020204" pitchFamily="34" charset="0"/>
-              <a:buChar char="•"/>
-            </a:pPr>
-            <a:r>
-              <a:rPr lang="en-US" sz="3200" dirty="0" err="1">
-                <a:ea typeface="Calibri"/>
-                <a:cs typeface="Calibri"/>
-                <a:sym typeface="Calibri"/>
-              </a:rPr>
-              <a:t>Stdev</a:t>
-            </a:r>
-            <a:r>
-              <a:rPr lang="en-US" sz="3200" dirty="0">
-                <a:ea typeface="Calibri"/>
-                <a:cs typeface="Calibri"/>
-                <a:sym typeface="Calibri"/>
-              </a:rPr>
-              <a:t> (standard deviation)</a:t>
-            </a:r>
-          </a:p>
-          <a:p>
-            <a:pPr marL="457200" indent="-457200">
-              <a:buSzPct val="100000"/>
-              <a:buFont typeface="Arial" panose="020B0604020202020204" pitchFamily="34" charset="0"/>
-              <a:buChar char="•"/>
-            </a:pPr>
-            <a:endParaRPr lang="en-US" sz="3200" dirty="0">
-              <a:ea typeface="Calibri"/>
-              <a:cs typeface="Calibri"/>
-              <a:sym typeface="Calibri"/>
-            </a:endParaRPr>
-          </a:p>
-          <a:p>
-            <a:pPr marL="457200" indent="-457200">
-              <a:buSzPct val="100000"/>
-              <a:buFont typeface="Arial" panose="020B0604020202020204" pitchFamily="34" charset="0"/>
-              <a:buChar char="•"/>
-            </a:pPr>
-            <a:endParaRPr lang="en-US" sz="3200" dirty="0">
-              <a:ea typeface="Calibri"/>
-              <a:cs typeface="Calibri"/>
-              <a:sym typeface="Calibri"/>
-            </a:endParaRPr>
-          </a:p>
-        </p:txBody>
-      </p:sp>
-    </p:spTree>
-    <p:extLst>
-      <p:ext uri="{BB962C8B-B14F-4D97-AF65-F5344CB8AC3E}">
-        <p14:creationId xmlns:p14="http://schemas.microsoft.com/office/powerpoint/2010/main" val="3683018772"/>
+        <p14:creationId xmlns:p14="http://schemas.microsoft.com/office/powerpoint/2010/main" val="1145097958"/>
       </p:ext>
     </p:extLst>
   </p:cSld>
